--- a/notes/day4/4thDay.pptx
+++ b/notes/day4/4thDay.pptx
@@ -5,7 +5,7 @@
     <p:sldMasterId id="2147483648" r:id="rId1"/>
   </p:sldMasterIdLst>
   <p:notesMasterIdLst>
-    <p:notesMasterId r:id="rId77"/>
+    <p:notesMasterId r:id="rId79"/>
   </p:notesMasterIdLst>
   <p:sldIdLst>
     <p:sldId id="256" r:id="rId2"/>
@@ -56,33 +56,35 @@
     <p:sldId id="374" r:id="rId47"/>
     <p:sldId id="382" r:id="rId48"/>
     <p:sldId id="383" r:id="rId49"/>
-    <p:sldId id="384" r:id="rId50"/>
-    <p:sldId id="386" r:id="rId51"/>
-    <p:sldId id="389" r:id="rId52"/>
-    <p:sldId id="388" r:id="rId53"/>
-    <p:sldId id="390" r:id="rId54"/>
-    <p:sldId id="393" r:id="rId55"/>
-    <p:sldId id="391" r:id="rId56"/>
-    <p:sldId id="394" r:id="rId57"/>
-    <p:sldId id="392" r:id="rId58"/>
-    <p:sldId id="387" r:id="rId59"/>
-    <p:sldId id="395" r:id="rId60"/>
-    <p:sldId id="396" r:id="rId61"/>
-    <p:sldId id="397" r:id="rId62"/>
-    <p:sldId id="398" r:id="rId63"/>
-    <p:sldId id="400" r:id="rId64"/>
-    <p:sldId id="401" r:id="rId65"/>
-    <p:sldId id="403" r:id="rId66"/>
-    <p:sldId id="402" r:id="rId67"/>
-    <p:sldId id="399" r:id="rId68"/>
-    <p:sldId id="405" r:id="rId69"/>
-    <p:sldId id="406" r:id="rId70"/>
-    <p:sldId id="407" r:id="rId71"/>
-    <p:sldId id="408" r:id="rId72"/>
-    <p:sldId id="409" r:id="rId73"/>
-    <p:sldId id="410" r:id="rId74"/>
-    <p:sldId id="411" r:id="rId75"/>
-    <p:sldId id="404" r:id="rId76"/>
+    <p:sldId id="432" r:id="rId50"/>
+    <p:sldId id="384" r:id="rId51"/>
+    <p:sldId id="386" r:id="rId52"/>
+    <p:sldId id="389" r:id="rId53"/>
+    <p:sldId id="388" r:id="rId54"/>
+    <p:sldId id="390" r:id="rId55"/>
+    <p:sldId id="393" r:id="rId56"/>
+    <p:sldId id="391" r:id="rId57"/>
+    <p:sldId id="394" r:id="rId58"/>
+    <p:sldId id="392" r:id="rId59"/>
+    <p:sldId id="387" r:id="rId60"/>
+    <p:sldId id="395" r:id="rId61"/>
+    <p:sldId id="396" r:id="rId62"/>
+    <p:sldId id="397" r:id="rId63"/>
+    <p:sldId id="398" r:id="rId64"/>
+    <p:sldId id="400" r:id="rId65"/>
+    <p:sldId id="401" r:id="rId66"/>
+    <p:sldId id="403" r:id="rId67"/>
+    <p:sldId id="402" r:id="rId68"/>
+    <p:sldId id="399" r:id="rId69"/>
+    <p:sldId id="433" r:id="rId70"/>
+    <p:sldId id="405" r:id="rId71"/>
+    <p:sldId id="406" r:id="rId72"/>
+    <p:sldId id="407" r:id="rId73"/>
+    <p:sldId id="408" r:id="rId74"/>
+    <p:sldId id="409" r:id="rId75"/>
+    <p:sldId id="410" r:id="rId76"/>
+    <p:sldId id="411" r:id="rId77"/>
+    <p:sldId id="404" r:id="rId78"/>
   </p:sldIdLst>
   <p:sldSz cx="12192000" cy="6858000"/>
   <p:notesSz cx="6858000" cy="9144000"/>
@@ -271,7 +273,7 @@
           <a:p>
             <a:fld id="{F15A6252-5F50-4106-9C23-9E03A675631E}" type="datetimeFigureOut">
               <a:rPr lang="en-IN" smtClean="0"/>
-              <a:t>05-02-2020</a:t>
+              <a:t>22-09-2020</a:t>
             </a:fld>
             <a:endParaRPr lang="en-IN"/>
           </a:p>
@@ -1031,7 +1033,7 @@
           <a:p>
             <a:fld id="{9B3CEC36-385F-48D4-8D43-C67229F8A2A2}" type="slidenum">
               <a:rPr lang="en-IN" smtClean="0"/>
-              <a:t>72</a:t>
+              <a:t>74</a:t>
             </a:fld>
             <a:endParaRPr lang="en-IN"/>
           </a:p>
@@ -1115,7 +1117,7 @@
           <a:p>
             <a:fld id="{9B3CEC36-385F-48D4-8D43-C67229F8A2A2}" type="slidenum">
               <a:rPr lang="en-IN" smtClean="0"/>
-              <a:t>73</a:t>
+              <a:t>75</a:t>
             </a:fld>
             <a:endParaRPr lang="en-IN"/>
           </a:p>
@@ -1199,7 +1201,7 @@
           <a:p>
             <a:fld id="{9B3CEC36-385F-48D4-8D43-C67229F8A2A2}" type="slidenum">
               <a:rPr lang="en-IN" smtClean="0"/>
-              <a:t>74</a:t>
+              <a:t>76</a:t>
             </a:fld>
             <a:endParaRPr lang="en-IN"/>
           </a:p>
@@ -1367,7 +1369,7 @@
           <a:p>
             <a:fld id="{4086692B-153F-4DFE-BFBD-A2AE2C7443B6}" type="datetimeFigureOut">
               <a:rPr lang="en-IN" smtClean="0"/>
-              <a:t>05-02-2020</a:t>
+              <a:t>22-09-2020</a:t>
             </a:fld>
             <a:endParaRPr lang="en-IN"/>
           </a:p>
@@ -1567,7 +1569,7 @@
           <a:p>
             <a:fld id="{4086692B-153F-4DFE-BFBD-A2AE2C7443B6}" type="datetimeFigureOut">
               <a:rPr lang="en-IN" smtClean="0"/>
-              <a:t>05-02-2020</a:t>
+              <a:t>22-09-2020</a:t>
             </a:fld>
             <a:endParaRPr lang="en-IN"/>
           </a:p>
@@ -1777,7 +1779,7 @@
           <a:p>
             <a:fld id="{4086692B-153F-4DFE-BFBD-A2AE2C7443B6}" type="datetimeFigureOut">
               <a:rPr lang="en-IN" smtClean="0"/>
-              <a:t>05-02-2020</a:t>
+              <a:t>22-09-2020</a:t>
             </a:fld>
             <a:endParaRPr lang="en-IN"/>
           </a:p>
@@ -1977,7 +1979,7 @@
           <a:p>
             <a:fld id="{4086692B-153F-4DFE-BFBD-A2AE2C7443B6}" type="datetimeFigureOut">
               <a:rPr lang="en-IN" smtClean="0"/>
-              <a:t>05-02-2020</a:t>
+              <a:t>22-09-2020</a:t>
             </a:fld>
             <a:endParaRPr lang="en-IN"/>
           </a:p>
@@ -2253,7 +2255,7 @@
           <a:p>
             <a:fld id="{4086692B-153F-4DFE-BFBD-A2AE2C7443B6}" type="datetimeFigureOut">
               <a:rPr lang="en-IN" smtClean="0"/>
-              <a:t>05-02-2020</a:t>
+              <a:t>22-09-2020</a:t>
             </a:fld>
             <a:endParaRPr lang="en-IN"/>
           </a:p>
@@ -2521,7 +2523,7 @@
           <a:p>
             <a:fld id="{4086692B-153F-4DFE-BFBD-A2AE2C7443B6}" type="datetimeFigureOut">
               <a:rPr lang="en-IN" smtClean="0"/>
-              <a:t>05-02-2020</a:t>
+              <a:t>22-09-2020</a:t>
             </a:fld>
             <a:endParaRPr lang="en-IN"/>
           </a:p>
@@ -2936,7 +2938,7 @@
           <a:p>
             <a:fld id="{4086692B-153F-4DFE-BFBD-A2AE2C7443B6}" type="datetimeFigureOut">
               <a:rPr lang="en-IN" smtClean="0"/>
-              <a:t>05-02-2020</a:t>
+              <a:t>22-09-2020</a:t>
             </a:fld>
             <a:endParaRPr lang="en-IN"/>
           </a:p>
@@ -3078,7 +3080,7 @@
           <a:p>
             <a:fld id="{4086692B-153F-4DFE-BFBD-A2AE2C7443B6}" type="datetimeFigureOut">
               <a:rPr lang="en-IN" smtClean="0"/>
-              <a:t>05-02-2020</a:t>
+              <a:t>22-09-2020</a:t>
             </a:fld>
             <a:endParaRPr lang="en-IN"/>
           </a:p>
@@ -3191,7 +3193,7 @@
           <a:p>
             <a:fld id="{4086692B-153F-4DFE-BFBD-A2AE2C7443B6}" type="datetimeFigureOut">
               <a:rPr lang="en-IN" smtClean="0"/>
-              <a:t>05-02-2020</a:t>
+              <a:t>22-09-2020</a:t>
             </a:fld>
             <a:endParaRPr lang="en-IN"/>
           </a:p>
@@ -3504,7 +3506,7 @@
           <a:p>
             <a:fld id="{4086692B-153F-4DFE-BFBD-A2AE2C7443B6}" type="datetimeFigureOut">
               <a:rPr lang="en-IN" smtClean="0"/>
-              <a:t>05-02-2020</a:t>
+              <a:t>22-09-2020</a:t>
             </a:fld>
             <a:endParaRPr lang="en-IN"/>
           </a:p>
@@ -3793,7 +3795,7 @@
           <a:p>
             <a:fld id="{4086692B-153F-4DFE-BFBD-A2AE2C7443B6}" type="datetimeFigureOut">
               <a:rPr lang="en-IN" smtClean="0"/>
-              <a:t>05-02-2020</a:t>
+              <a:t>22-09-2020</a:t>
             </a:fld>
             <a:endParaRPr lang="en-IN"/>
           </a:p>
@@ -4036,7 +4038,7 @@
           <a:p>
             <a:fld id="{4086692B-153F-4DFE-BFBD-A2AE2C7443B6}" type="datetimeFigureOut">
               <a:rPr lang="en-IN" smtClean="0"/>
-              <a:t>05-02-2020</a:t>
+              <a:t>22-09-2020</a:t>
             </a:fld>
             <a:endParaRPr lang="en-IN"/>
           </a:p>
@@ -4848,7 +4850,7 @@
         </p:blipFill>
         <p:spPr>
           <a:xfrm>
-            <a:off x="1043901" y="3457569"/>
+            <a:off x="2528754" y="1767205"/>
             <a:ext cx="3657410" cy="764858"/>
           </a:xfrm>
           <a:prstGeom prst="rect">
@@ -4908,7 +4910,7 @@
         </p:blipFill>
         <p:spPr>
           <a:xfrm>
-            <a:off x="5162615" y="2001556"/>
+            <a:off x="1376229" y="3495623"/>
             <a:ext cx="2305050" cy="400050"/>
           </a:xfrm>
           <a:prstGeom prst="rect">
@@ -4938,7 +4940,7 @@
         </p:blipFill>
         <p:spPr>
           <a:xfrm>
-            <a:off x="5162615" y="3532556"/>
+            <a:off x="5162615" y="5422637"/>
             <a:ext cx="2009775" cy="457200"/>
           </a:xfrm>
           <a:prstGeom prst="rect">
@@ -5014,7 +5016,7 @@
         </p:nvSpPr>
         <p:spPr>
           <a:xfrm>
-            <a:off x="5162615" y="5120706"/>
+            <a:off x="5396540" y="3579612"/>
             <a:ext cx="2009775" cy="332509"/>
           </a:xfrm>
           <a:prstGeom prst="rect">
@@ -5102,7 +5104,7 @@
         </p:nvSpPr>
         <p:spPr>
           <a:xfrm>
-            <a:off x="9336239" y="4934989"/>
+            <a:off x="9413147" y="4904411"/>
             <a:ext cx="1818636" cy="518226"/>
           </a:xfrm>
           <a:prstGeom prst="rect">
@@ -8797,23 +8799,7 @@
                   <a:schemeClr val="bg1"/>
                 </a:solidFill>
               </a:rPr>
-              <a:t>Kind and </a:t>
-            </a:r>
-            <a:r>
-              <a:rPr lang="en-US" b="1" dirty="0" err="1">
-                <a:solidFill>
-                  <a:schemeClr val="bg1"/>
-                </a:solidFill>
-              </a:rPr>
-              <a:t>metadaa</a:t>
-            </a:r>
-            <a:r>
-              <a:rPr lang="en-US" b="1" dirty="0">
-                <a:solidFill>
-                  <a:schemeClr val="bg1"/>
-                </a:solidFill>
-              </a:rPr>
-              <a:t> : </a:t>
+              <a:t>Kind and metadata : </a:t>
             </a:r>
             <a:r>
               <a:rPr lang="en-US" b="1" dirty="0">
@@ -11326,7 +11312,7 @@
                   <a:schemeClr val="bg1"/>
                 </a:solidFill>
               </a:rPr>
-              <a:t>	- group of 1 or more containers </a:t>
+              <a:t>	- group of 2 or more containers </a:t>
             </a:r>
           </a:p>
           <a:p>
@@ -12541,7 +12527,37 @@
                   <a:schemeClr val="bg1"/>
                 </a:solidFill>
               </a:rPr>
-              <a:t>Once scheduled the POD would go into pending state. During pending state, it will start downloading all container images and setting up containers appropriately. POD will remain in pending state until all containers are up and running. After all containers are running the state of the POD changes to "Running".</a:t>
+              <a:t>	pending : scheduled </a:t>
+            </a:r>
+          </a:p>
+          <a:p>
+            <a:r>
+              <a:rPr lang="en-US" sz="2600" b="1" dirty="0">
+                <a:solidFill>
+                  <a:schemeClr val="bg1"/>
+                </a:solidFill>
+              </a:rPr>
+              <a:t>		start downloading images and setting up containers appropriately. 		remain in pending state until all containers are up and running. </a:t>
+            </a:r>
+          </a:p>
+          <a:p>
+            <a:r>
+              <a:rPr lang="en-US" sz="2600" b="1" dirty="0">
+                <a:solidFill>
+                  <a:schemeClr val="bg1"/>
+                </a:solidFill>
+              </a:rPr>
+              <a:t>	running:</a:t>
+            </a:r>
+          </a:p>
+          <a:p>
+            <a:r>
+              <a:rPr lang="en-US" sz="2600" b="1" dirty="0">
+                <a:solidFill>
+                  <a:schemeClr val="bg1"/>
+                </a:solidFill>
+              </a:rPr>
+              <a:t>After all containers are running the state of the POD changes to "Running".</a:t>
             </a:r>
           </a:p>
         </p:txBody>
@@ -15931,7 +15947,7 @@
                 <a:ea typeface="+mn-ea"/>
                 <a:cs typeface="+mn-cs"/>
               </a:rPr>
-              <a:t>Deployment</a:t>
+              <a:t>Deployment - Windows</a:t>
             </a:r>
             <a:endParaRPr lang="en-IN" b="1" dirty="0">
               <a:solidFill>
@@ -16011,18 +16027,8 @@
                   <a:schemeClr val="bg1"/>
                 </a:solidFill>
               </a:rPr>
-              <a:t>nginx</a:t>
-            </a:r>
-            <a:r>
-              <a:rPr lang="en-US" sz="2600" b="1" dirty="0">
-                <a:solidFill>
-                  <a:schemeClr val="bg1"/>
-                </a:solidFill>
-              </a:rPr>
-              <a:t>-deployment</a:t>
-            </a:r>
-          </a:p>
-          <a:p>
+              <a:t>iisn</a:t>
+            </a:r>
             <a:endParaRPr lang="en-US" sz="2600" b="1" dirty="0">
               <a:solidFill>
                 <a:schemeClr val="bg1"/>
@@ -16062,7 +16068,7 @@
                   <a:schemeClr val="bg1"/>
                 </a:solidFill>
               </a:rPr>
-              <a:t> --record </a:t>
+              <a:t> --record deployment.v1.apps/</a:t>
             </a:r>
             <a:r>
               <a:rPr lang="en-US" sz="2600" b="1" dirty="0" err="1">
@@ -16070,15 +16076,15 @@
                   <a:schemeClr val="bg1"/>
                 </a:solidFill>
               </a:rPr>
-              <a:t>deployment.apps</a:t>
-            </a:r>
-            <a:r>
-              <a:rPr lang="en-US" sz="2600" b="1" dirty="0">
-                <a:solidFill>
-                  <a:schemeClr val="bg1"/>
-                </a:solidFill>
-              </a:rPr>
-              <a:t>/</a:t>
+              <a:t>iisn</a:t>
+            </a:r>
+            <a:r>
+              <a:rPr lang="en-US" sz="2600" b="1" dirty="0">
+                <a:solidFill>
+                  <a:schemeClr val="bg1"/>
+                </a:solidFill>
+              </a:rPr>
+              <a:t> set image deployment.v1.apps/</a:t>
             </a:r>
             <a:r>
               <a:rPr lang="en-US" sz="2600" b="1" dirty="0" err="1">
@@ -16086,15 +16092,15 @@
                   <a:schemeClr val="bg1"/>
                 </a:solidFill>
               </a:rPr>
-              <a:t>nginx</a:t>
-            </a:r>
-            <a:r>
-              <a:rPr lang="en-US" sz="2600" b="1" dirty="0">
-                <a:solidFill>
-                  <a:schemeClr val="bg1"/>
-                </a:solidFill>
-              </a:rPr>
-              <a:t>-deployment set image deployment.v1.apps/</a:t>
+              <a:t>iisn</a:t>
+            </a:r>
+            <a:r>
+              <a:rPr lang="en-US" sz="2600" b="1" dirty="0">
+                <a:solidFill>
+                  <a:schemeClr val="bg1"/>
+                </a:solidFill>
+              </a:rPr>
+              <a:t> </a:t>
             </a:r>
             <a:r>
               <a:rPr lang="en-US" sz="2600" b="1" dirty="0" err="1">
@@ -16102,15 +16108,42 @@
                   <a:schemeClr val="bg1"/>
                 </a:solidFill>
               </a:rPr>
-              <a:t>nginx</a:t>
-            </a:r>
-            <a:r>
-              <a:rPr lang="en-US" sz="2600" b="1" dirty="0">
-                <a:solidFill>
-                  <a:schemeClr val="bg1"/>
-                </a:solidFill>
-              </a:rPr>
-              <a:t>-deployment </a:t>
+              <a:t>iis</a:t>
+            </a:r>
+            <a:r>
+              <a:rPr lang="en-US" sz="2600" b="1" dirty="0">
+                <a:solidFill>
+                  <a:schemeClr val="bg1"/>
+                </a:solidFill>
+              </a:rPr>
+              <a:t>-container=myiis:2</a:t>
+            </a:r>
+          </a:p>
+          <a:p>
+            <a:endParaRPr lang="en-US" sz="2600" b="1" dirty="0">
+              <a:solidFill>
+                <a:schemeClr val="bg1"/>
+              </a:solidFill>
+            </a:endParaRPr>
+          </a:p>
+          <a:p>
+            <a:r>
+              <a:rPr lang="en-US" sz="2600" b="1" dirty="0">
+                <a:solidFill>
+                  <a:schemeClr val="bg1"/>
+                </a:solidFill>
+              </a:rPr>
+              <a:t>Rollout history: </a:t>
+            </a:r>
+          </a:p>
+          <a:p>
+            <a:r>
+              <a:rPr lang="en-US" sz="2600" b="1" dirty="0">
+                <a:solidFill>
+                  <a:schemeClr val="bg1"/>
+                </a:solidFill>
+              </a:rPr>
+              <a:t>	- </a:t>
             </a:r>
             <a:r>
               <a:rPr lang="en-US" sz="2600" b="1" dirty="0" err="1">
@@ -16118,18 +16151,24 @@
                   <a:schemeClr val="bg1"/>
                 </a:solidFill>
               </a:rPr>
-              <a:t>nginx</a:t>
-            </a:r>
-            <a:r>
-              <a:rPr lang="en-US" sz="2600" b="1" dirty="0">
-                <a:solidFill>
-                  <a:schemeClr val="bg1"/>
-                </a:solidFill>
-              </a:rPr>
-              <a:t>=nginx:1.9.1</a:t>
-            </a:r>
-          </a:p>
-          <a:p>
+              <a:t>kubectl</a:t>
+            </a:r>
+            <a:r>
+              <a:rPr lang="en-US" sz="2600" b="1" dirty="0">
+                <a:solidFill>
+                  <a:schemeClr val="bg1"/>
+                </a:solidFill>
+              </a:rPr>
+              <a:t> rollout history deployment.v1.apps/</a:t>
+            </a:r>
+            <a:r>
+              <a:rPr lang="en-US" sz="2600" b="1" dirty="0" err="1">
+                <a:solidFill>
+                  <a:schemeClr val="bg1"/>
+                </a:solidFill>
+              </a:rPr>
+              <a:t>iisn</a:t>
+            </a:r>
             <a:endParaRPr lang="en-US" sz="2600" b="1" dirty="0">
               <a:solidFill>
                 <a:schemeClr val="bg1"/>
@@ -16143,7 +16182,7 @@
                   <a:schemeClr val="bg1"/>
                 </a:solidFill>
               </a:rPr>
-              <a:t>Rollout history: </a:t>
+              <a:t>Rollback:</a:t>
             </a:r>
           </a:p>
           <a:p>
@@ -16169,7 +16208,7 @@
                   <a:schemeClr val="bg1"/>
                 </a:solidFill>
               </a:rPr>
-              <a:t> rollout history deployment.v1.apps/</a:t>
+              <a:t> rollout undo deployment.v1.apps/</a:t>
             </a:r>
             <a:r>
               <a:rPr lang="en-US" sz="2600" b="1" dirty="0" err="1">
@@ -16177,77 +16216,8 @@
                   <a:schemeClr val="bg1"/>
                 </a:solidFill>
               </a:rPr>
-              <a:t>nginx</a:t>
-            </a:r>
-            <a:r>
-              <a:rPr lang="en-US" sz="2600" b="1" dirty="0">
-                <a:solidFill>
-                  <a:schemeClr val="bg1"/>
-                </a:solidFill>
-              </a:rPr>
-              <a:t>-deployment</a:t>
-            </a:r>
-          </a:p>
-          <a:p>
-            <a:endParaRPr lang="en-US" sz="2600" b="1" dirty="0">
-              <a:solidFill>
-                <a:schemeClr val="bg1"/>
-              </a:solidFill>
-            </a:endParaRPr>
-          </a:p>
-          <a:p>
-            <a:r>
-              <a:rPr lang="en-US" sz="2600" b="1" dirty="0">
-                <a:solidFill>
-                  <a:schemeClr val="bg1"/>
-                </a:solidFill>
-              </a:rPr>
-              <a:t>Rollback:</a:t>
-            </a:r>
-          </a:p>
-          <a:p>
-            <a:r>
-              <a:rPr lang="en-US" sz="2600" b="1" dirty="0">
-                <a:solidFill>
-                  <a:schemeClr val="bg1"/>
-                </a:solidFill>
-              </a:rPr>
-              <a:t>	- </a:t>
-            </a:r>
-            <a:r>
-              <a:rPr lang="en-US" sz="2600" b="1" dirty="0" err="1">
-                <a:solidFill>
-                  <a:schemeClr val="bg1"/>
-                </a:solidFill>
-              </a:rPr>
-              <a:t>kubectl</a:t>
-            </a:r>
-            <a:r>
-              <a:rPr lang="en-US" sz="2600" b="1" dirty="0">
-                <a:solidFill>
-                  <a:schemeClr val="bg1"/>
-                </a:solidFill>
-              </a:rPr>
-              <a:t> rollout undo deployment.v1.apps/</a:t>
-            </a:r>
-            <a:r>
-              <a:rPr lang="en-US" sz="2600" b="1" dirty="0" err="1">
-                <a:solidFill>
-                  <a:schemeClr val="bg1"/>
-                </a:solidFill>
-              </a:rPr>
-              <a:t>nginx</a:t>
-            </a:r>
-            <a:r>
-              <a:rPr lang="en-US" sz="2600" b="1" dirty="0">
-                <a:solidFill>
-                  <a:schemeClr val="bg1"/>
-                </a:solidFill>
-              </a:rPr>
-              <a:t>-deployment</a:t>
-            </a:r>
-          </a:p>
-          <a:p>
+              <a:t>iisn</a:t>
+            </a:r>
             <a:endParaRPr lang="en-US" sz="2600" b="1" dirty="0">
               <a:solidFill>
                 <a:schemeClr val="bg1"/>
@@ -16259,7 +16229,7 @@
     </p:spTree>
     <p:extLst>
       <p:ext uri="{BB962C8B-B14F-4D97-AF65-F5344CB8AC3E}">
-        <p14:creationId xmlns:p14="http://schemas.microsoft.com/office/powerpoint/2010/main" val="2537284180"/>
+        <p14:creationId xmlns:p14="http://schemas.microsoft.com/office/powerpoint/2010/main" val="1528310668"/>
       </p:ext>
     </p:extLst>
   </p:cSld>
@@ -16437,7 +16407,7 @@
           <a:lstStyle/>
           <a:p>
             <a:r>
-              <a:rPr lang="en-US" b="1" dirty="0" err="1">
+              <a:rPr lang="en-US" b="1" dirty="0">
                 <a:solidFill>
                   <a:schemeClr val="bg1"/>
                 </a:solidFill>
@@ -16445,40 +16415,7 @@
                 <a:ea typeface="+mn-ea"/>
                 <a:cs typeface="+mn-cs"/>
               </a:rPr>
-              <a:t>Daemonset</a:t>
-            </a:r>
-            <a:r>
-              <a:rPr lang="en-US" b="1" dirty="0">
-                <a:solidFill>
-                  <a:schemeClr val="bg1"/>
-                </a:solidFill>
-                <a:latin typeface="+mn-lt"/>
-                <a:ea typeface="+mn-ea"/>
-                <a:cs typeface="+mn-cs"/>
-              </a:rPr>
-              <a:t> and </a:t>
-            </a:r>
-            <a:r>
-              <a:rPr lang="en-US" b="1" dirty="0" err="1">
-                <a:solidFill>
-                  <a:schemeClr val="bg1"/>
-                </a:solidFill>
-                <a:latin typeface="+mn-lt"/>
-                <a:ea typeface="+mn-ea"/>
-                <a:cs typeface="+mn-cs"/>
-              </a:rPr>
-              <a:t>StatefulSet</a:t>
-            </a:r>
-            <a:r>
-              <a:rPr lang="en-US" b="1" dirty="0">
-                <a:solidFill>
-                  <a:schemeClr val="bg1"/>
-                </a:solidFill>
-                <a:latin typeface="+mn-lt"/>
-                <a:ea typeface="+mn-ea"/>
-                <a:cs typeface="+mn-cs"/>
-              </a:rPr>
-              <a:t>	</a:t>
+              <a:t>Scale out </a:t>
             </a:r>
             <a:endParaRPr lang="en-IN" b="1" dirty="0">
               <a:solidFill>
@@ -16506,7 +16443,7 @@
         <p:spPr>
           <a:xfrm>
             <a:off x="939453" y="1903956"/>
-            <a:ext cx="11123238" cy="4025789"/>
+            <a:ext cx="11273420" cy="3895595"/>
           </a:xfrm>
           <a:prstGeom prst="rect">
             <a:avLst/>
@@ -16519,50 +16456,38 @@
           <a:lstStyle/>
           <a:p>
             <a:r>
+              <a:rPr lang="en-US" sz="2600" b="1" dirty="0">
+                <a:solidFill>
+                  <a:schemeClr val="bg1"/>
+                </a:solidFill>
+              </a:rPr>
+              <a:t>Linux</a:t>
+            </a:r>
+          </a:p>
+          <a:p>
+            <a:r>
+              <a:rPr lang="en-US" sz="2600" b="1" dirty="0">
+                <a:solidFill>
+                  <a:schemeClr val="bg1"/>
+                </a:solidFill>
+              </a:rPr>
+              <a:t>	 </a:t>
+            </a:r>
+            <a:r>
               <a:rPr lang="en-US" sz="2600" b="1" dirty="0" err="1">
                 <a:solidFill>
                   <a:schemeClr val="bg1"/>
                 </a:solidFill>
               </a:rPr>
-              <a:t>DaemonSet</a:t>
-            </a:r>
-            <a:r>
-              <a:rPr lang="en-US" sz="2600" b="1" dirty="0">
-                <a:solidFill>
-                  <a:schemeClr val="bg1"/>
-                </a:solidFill>
-              </a:rPr>
-              <a:t>: </a:t>
-            </a:r>
-          </a:p>
-          <a:p>
-            <a:r>
-              <a:rPr lang="en-US" sz="2600" b="1" dirty="0">
-                <a:solidFill>
-                  <a:schemeClr val="bg1"/>
-                </a:solidFill>
-              </a:rPr>
-              <a:t>	- Only a single instance should run on a node </a:t>
-            </a:r>
-          </a:p>
-          <a:p>
-            <a:r>
-              <a:rPr lang="en-US" sz="2600" b="1" dirty="0">
-                <a:solidFill>
-                  <a:schemeClr val="bg1"/>
-                </a:solidFill>
-              </a:rPr>
-              <a:t>	- An instance should run on all nodes. </a:t>
-            </a:r>
-          </a:p>
-          <a:p>
-            <a:r>
-              <a:rPr lang="en-US" sz="2600" b="1" dirty="0">
-                <a:solidFill>
-                  <a:schemeClr val="bg1"/>
-                </a:solidFill>
-              </a:rPr>
-              <a:t>	- </a:t>
+              <a:t>kubectl</a:t>
+            </a:r>
+            <a:r>
+              <a:rPr lang="en-US" sz="2600" b="1" dirty="0">
+                <a:solidFill>
+                  <a:schemeClr val="bg1"/>
+                </a:solidFill>
+              </a:rPr>
+              <a:t> scale deployment.v1.apps/</a:t>
             </a:r>
             <a:r>
               <a:rPr lang="en-US" sz="2600" b="1" dirty="0" err="1">
@@ -16570,15 +16495,15 @@
                   <a:schemeClr val="bg1"/>
                 </a:solidFill>
               </a:rPr>
-              <a:t>Usecase</a:t>
-            </a:r>
-            <a:r>
-              <a:rPr lang="en-US" sz="2600" b="1" dirty="0">
-                <a:solidFill>
-                  <a:schemeClr val="bg1"/>
-                </a:solidFill>
-              </a:rPr>
-              <a:t> : for monitoring.</a:t>
+              <a:t>nginx</a:t>
+            </a:r>
+            <a:r>
+              <a:rPr lang="en-US" sz="2600" b="1" dirty="0">
+                <a:solidFill>
+                  <a:schemeClr val="bg1"/>
+                </a:solidFill>
+              </a:rPr>
+              <a:t>-deployment scale = 3</a:t>
             </a:r>
           </a:p>
           <a:p>
@@ -16590,50 +16515,54 @@
           </a:p>
           <a:p>
             <a:r>
+              <a:rPr lang="en-US" sz="2600" b="1" dirty="0">
+                <a:solidFill>
+                  <a:schemeClr val="bg1"/>
+                </a:solidFill>
+              </a:rPr>
+              <a:t>Windows</a:t>
+            </a:r>
+          </a:p>
+          <a:p>
+            <a:r>
+              <a:rPr lang="en-US" sz="2600" b="1" dirty="0">
+                <a:solidFill>
+                  <a:schemeClr val="bg1"/>
+                </a:solidFill>
+              </a:rPr>
+              <a:t>	</a:t>
+            </a:r>
+            <a:r>
               <a:rPr lang="en-US" sz="2600" b="1" dirty="0" err="1">
                 <a:solidFill>
                   <a:schemeClr val="bg1"/>
                 </a:solidFill>
               </a:rPr>
-              <a:t>StatefulSet</a:t>
-            </a:r>
-            <a:r>
-              <a:rPr lang="en-US" sz="2600" b="1" dirty="0">
-                <a:solidFill>
-                  <a:schemeClr val="bg1"/>
-                </a:solidFill>
-              </a:rPr>
-              <a:t>: </a:t>
-            </a:r>
-          </a:p>
-          <a:p>
-            <a:r>
-              <a:rPr lang="en-US" sz="2600" b="1" dirty="0">
-                <a:solidFill>
-                  <a:schemeClr val="bg1"/>
-                </a:solidFill>
-              </a:rPr>
-              <a:t>	- Work along with a service. </a:t>
-            </a:r>
-          </a:p>
-          <a:p>
-            <a:r>
-              <a:rPr lang="en-US" sz="2600" b="1" dirty="0">
-                <a:solidFill>
-                  <a:schemeClr val="bg1"/>
-                </a:solidFill>
-              </a:rPr>
-              <a:t>	- If an instance dies, it would be created back on the same node. </a:t>
-            </a:r>
-          </a:p>
-          <a:p>
-            <a:r>
-              <a:rPr lang="en-US" sz="2600" b="1" dirty="0">
-                <a:solidFill>
-                  <a:schemeClr val="bg1"/>
-                </a:solidFill>
-              </a:rPr>
-              <a:t>	- If the node is not available then it would be kept on pending state.</a:t>
+              <a:t>kubectl</a:t>
+            </a:r>
+            <a:r>
+              <a:rPr lang="en-US" sz="2600" b="1" dirty="0">
+                <a:solidFill>
+                  <a:schemeClr val="bg1"/>
+                </a:solidFill>
+              </a:rPr>
+              <a:t> scale deployment.v1.apps/</a:t>
+            </a:r>
+            <a:r>
+              <a:rPr lang="en-US" sz="2600" b="1" dirty="0" err="1">
+                <a:solidFill>
+                  <a:schemeClr val="bg1"/>
+                </a:solidFill>
+              </a:rPr>
+              <a:t>iisn</a:t>
+            </a:r>
+            <a:r>
+              <a:rPr lang="en-US" sz="2600" b="1" dirty="0">
+                <a:solidFill>
+                  <a:schemeClr val="bg1"/>
+                </a:solidFill>
+              </a:rPr>
+              <a:t> scale = 3</a:t>
             </a:r>
           </a:p>
         </p:txBody>
@@ -16641,7 +16570,7 @@
     </p:spTree>
     <p:extLst>
       <p:ext uri="{BB962C8B-B14F-4D97-AF65-F5344CB8AC3E}">
-        <p14:creationId xmlns:p14="http://schemas.microsoft.com/office/powerpoint/2010/main" val="1744375649"/>
+        <p14:creationId xmlns:p14="http://schemas.microsoft.com/office/powerpoint/2010/main" val="2537284180"/>
       </p:ext>
     </p:extLst>
   </p:cSld>
@@ -16701,12 +16630,48 @@
           <a:lstStyle/>
           <a:p>
             <a:r>
+              <a:rPr lang="en-US" b="1" dirty="0" err="1">
+                <a:solidFill>
+                  <a:schemeClr val="bg1"/>
+                </a:solidFill>
+                <a:latin typeface="+mn-lt"/>
+                <a:ea typeface="+mn-ea"/>
+                <a:cs typeface="+mn-cs"/>
+              </a:rPr>
+              <a:t>Daemonset</a:t>
+            </a:r>
+            <a:r>
               <a:rPr lang="en-US" b="1" dirty="0">
                 <a:solidFill>
                   <a:schemeClr val="bg1"/>
                 </a:solidFill>
-              </a:rPr>
-              <a:t>Services</a:t>
+                <a:latin typeface="+mn-lt"/>
+                <a:ea typeface="+mn-ea"/>
+                <a:cs typeface="+mn-cs"/>
+              </a:rPr>
+              <a:t> and </a:t>
+            </a:r>
+            <a:r>
+              <a:rPr lang="en-US" b="1" dirty="0" err="1">
+                <a:solidFill>
+                  <a:schemeClr val="bg1"/>
+                </a:solidFill>
+                <a:latin typeface="+mn-lt"/>
+                <a:ea typeface="+mn-ea"/>
+                <a:cs typeface="+mn-cs"/>
+              </a:rPr>
+              <a:t>StatefulSet</a:t>
+            </a:r>
+            <a:r>
+              <a:rPr lang="en-US" b="1" dirty="0">
+                <a:solidFill>
+                  <a:schemeClr val="bg1"/>
+                </a:solidFill>
+                <a:latin typeface="+mn-lt"/>
+                <a:ea typeface="+mn-ea"/>
+                <a:cs typeface="+mn-cs"/>
+              </a:rPr>
+              <a:t>	</a:t>
             </a:r>
             <a:endParaRPr lang="en-IN" b="1" dirty="0">
               <a:solidFill>
@@ -16734,7 +16699,7 @@
         <p:spPr>
           <a:xfrm>
             <a:off x="939453" y="1903956"/>
-            <a:ext cx="11273420" cy="3895595"/>
+            <a:ext cx="11123238" cy="4025789"/>
           </a:xfrm>
           <a:prstGeom prst="rect">
             <a:avLst/>
@@ -16747,98 +16712,121 @@
           <a:lstStyle/>
           <a:p>
             <a:r>
-              <a:rPr lang="en-US" sz="2800" b="1" dirty="0">
-                <a:solidFill>
-                  <a:schemeClr val="bg1"/>
-                </a:solidFill>
-              </a:rPr>
-              <a:t>Is a collection of Pods that is exposed as an endpoint.  Is a way of grouping of PODs running in a cluster and how to access them</a:t>
-            </a:r>
-          </a:p>
-          <a:p>
-            <a:endParaRPr lang="en-US" sz="2400" dirty="0">
-              <a:solidFill>
-                <a:schemeClr val="bg1"/>
-              </a:solidFill>
-            </a:endParaRPr>
-          </a:p>
-          <a:p>
-            <a:r>
-              <a:rPr lang="en-US" sz="2400" dirty="0">
-                <a:solidFill>
-                  <a:schemeClr val="bg1"/>
-                </a:solidFill>
-              </a:rPr>
-              <a:t>Different types of Services :</a:t>
-            </a:r>
-          </a:p>
-          <a:p>
-            <a:pPr lvl="1">
-              <a:lnSpc>
-                <a:spcPct val="150000"/>
-              </a:lnSpc>
-            </a:pPr>
-            <a:r>
-              <a:rPr lang="en-US" sz="2000" i="1" dirty="0" err="1">
-                <a:solidFill>
-                  <a:schemeClr val="bg1"/>
-                </a:solidFill>
-              </a:rPr>
-              <a:t>ClusterIP</a:t>
-            </a:r>
-            <a:r>
-              <a:rPr lang="en-US" sz="2000" dirty="0">
-                <a:solidFill>
-                  <a:schemeClr val="bg1"/>
-                </a:solidFill>
-              </a:rPr>
-              <a:t> exposes the cluster's internal IP.</a:t>
-            </a:r>
-          </a:p>
-          <a:p>
-            <a:pPr lvl="1">
-              <a:lnSpc>
-                <a:spcPct val="150000"/>
-              </a:lnSpc>
-            </a:pPr>
-            <a:r>
-              <a:rPr lang="en-US" sz="2000" i="1" dirty="0" err="1">
-                <a:solidFill>
-                  <a:schemeClr val="bg1"/>
-                </a:solidFill>
-              </a:rPr>
-              <a:t>NodePort</a:t>
-            </a:r>
-            <a:r>
-              <a:rPr lang="en-US" sz="2000" dirty="0">
-                <a:solidFill>
-                  <a:schemeClr val="bg1"/>
-                </a:solidFill>
-              </a:rPr>
-              <a:t> exposes the Service on each node's IP at a static port.</a:t>
-            </a:r>
-          </a:p>
-          <a:p>
-            <a:pPr lvl="1">
-              <a:lnSpc>
-                <a:spcPct val="150000"/>
-              </a:lnSpc>
-            </a:pPr>
-            <a:r>
-              <a:rPr lang="en-US" sz="2000" i="1" dirty="0" err="1">
-                <a:solidFill>
-                  <a:schemeClr val="bg1"/>
-                </a:solidFill>
-              </a:rPr>
-              <a:t>LoadBalancer</a:t>
-            </a:r>
-            <a:r>
-              <a:rPr lang="en-US" sz="2000" dirty="0">
-                <a:solidFill>
-                  <a:schemeClr val="bg1"/>
-                </a:solidFill>
-              </a:rPr>
-              <a:t> exposes the Service externally by using a cloud provider's load balancer.</a:t>
+              <a:rPr lang="en-US" sz="2600" b="1" dirty="0" err="1">
+                <a:solidFill>
+                  <a:schemeClr val="bg1"/>
+                </a:solidFill>
+              </a:rPr>
+              <a:t>DaemonSet</a:t>
+            </a:r>
+            <a:r>
+              <a:rPr lang="en-US" sz="2600" b="1" dirty="0">
+                <a:solidFill>
+                  <a:schemeClr val="bg1"/>
+                </a:solidFill>
+              </a:rPr>
+              <a:t>: </a:t>
+            </a:r>
+          </a:p>
+          <a:p>
+            <a:r>
+              <a:rPr lang="en-US" sz="2600" b="1" dirty="0">
+                <a:solidFill>
+                  <a:schemeClr val="bg1"/>
+                </a:solidFill>
+              </a:rPr>
+              <a:t>	- Only a single instance should run on a node </a:t>
+            </a:r>
+          </a:p>
+          <a:p>
+            <a:r>
+              <a:rPr lang="en-US" sz="2600" b="1" dirty="0">
+                <a:solidFill>
+                  <a:schemeClr val="bg1"/>
+                </a:solidFill>
+              </a:rPr>
+              <a:t>	- An instance should run on all nodes. </a:t>
+            </a:r>
+          </a:p>
+          <a:p>
+            <a:r>
+              <a:rPr lang="en-US" sz="2600" b="1" dirty="0">
+                <a:solidFill>
+                  <a:schemeClr val="bg1"/>
+                </a:solidFill>
+              </a:rPr>
+              <a:t>	- </a:t>
+            </a:r>
+            <a:r>
+              <a:rPr lang="en-US" sz="2600" b="1" dirty="0" err="1">
+                <a:solidFill>
+                  <a:schemeClr val="bg1"/>
+                </a:solidFill>
+              </a:rPr>
+              <a:t>Usecase</a:t>
+            </a:r>
+            <a:r>
+              <a:rPr lang="en-US" sz="2600" b="1" dirty="0">
+                <a:solidFill>
+                  <a:schemeClr val="bg1"/>
+                </a:solidFill>
+              </a:rPr>
+              <a:t> : for monitoring.</a:t>
+            </a:r>
+          </a:p>
+          <a:p>
+            <a:endParaRPr lang="en-US" sz="2600" b="1" dirty="0">
+              <a:solidFill>
+                <a:schemeClr val="bg1"/>
+              </a:solidFill>
+            </a:endParaRPr>
+          </a:p>
+          <a:p>
+            <a:r>
+              <a:rPr lang="en-US" sz="2600" b="1" dirty="0" err="1">
+                <a:solidFill>
+                  <a:schemeClr val="bg1"/>
+                </a:solidFill>
+              </a:rPr>
+              <a:t>StatefulSet</a:t>
+            </a:r>
+            <a:r>
+              <a:rPr lang="en-US" sz="2600" b="1" dirty="0">
+                <a:solidFill>
+                  <a:schemeClr val="bg1"/>
+                </a:solidFill>
+              </a:rPr>
+              <a:t>: </a:t>
+            </a:r>
+          </a:p>
+          <a:p>
+            <a:r>
+              <a:rPr lang="en-US" sz="2600" b="1" dirty="0">
+                <a:solidFill>
+                  <a:schemeClr val="bg1"/>
+                </a:solidFill>
+              </a:rPr>
+              <a:t>	- Work along with a service. </a:t>
+            </a:r>
+          </a:p>
+          <a:p>
+            <a:r>
+              <a:rPr lang="en-US" sz="2600" b="1" dirty="0">
+                <a:solidFill>
+                  <a:schemeClr val="bg1"/>
+                </a:solidFill>
+              </a:rPr>
+              <a:t>	- If an instance dies, it would be created back on the same node. </a:t>
+            </a:r>
+          </a:p>
+          <a:p>
+            <a:r>
+              <a:rPr lang="en-US" sz="2600" b="1" dirty="0">
+                <a:solidFill>
+                  <a:schemeClr val="bg1"/>
+                </a:solidFill>
+              </a:rPr>
+              <a:t>	- If the node is not available then it would be kept on pending state.</a:t>
             </a:r>
           </a:p>
         </p:txBody>
@@ -16846,7 +16834,7 @@
     </p:spTree>
     <p:extLst>
       <p:ext uri="{BB962C8B-B14F-4D97-AF65-F5344CB8AC3E}">
-        <p14:creationId xmlns:p14="http://schemas.microsoft.com/office/powerpoint/2010/main" val="1252132029"/>
+        <p14:creationId xmlns:p14="http://schemas.microsoft.com/office/powerpoint/2010/main" val="1744375649"/>
       </p:ext>
     </p:extLst>
   </p:cSld>
@@ -16910,11 +16898,8 @@
                 <a:solidFill>
                   <a:schemeClr val="bg1"/>
                 </a:solidFill>
-                <a:latin typeface="+mn-lt"/>
-                <a:ea typeface="+mn-ea"/>
-                <a:cs typeface="+mn-cs"/>
-              </a:rPr>
-              <a:t>Service</a:t>
+              </a:rPr>
+              <a:t>Services</a:t>
             </a:r>
             <a:endParaRPr lang="en-IN" b="1" dirty="0">
               <a:solidFill>
@@ -16955,162 +16940,106 @@
           <a:lstStyle/>
           <a:p>
             <a:r>
-              <a:rPr lang="en-US" sz="2600" b="1" dirty="0">
-                <a:solidFill>
-                  <a:schemeClr val="bg1"/>
-                </a:solidFill>
-              </a:rPr>
-              <a:t>	</a:t>
-            </a:r>
-          </a:p>
-        </p:txBody>
-      </p:sp>
-      <p:pic>
-        <p:nvPicPr>
-          <p:cNvPr id="4" name="Picture 3">
-            <a:extLst>
-              <a:ext uri="{FF2B5EF4-FFF2-40B4-BE49-F238E27FC236}">
-                <a16:creationId xmlns:a16="http://schemas.microsoft.com/office/drawing/2014/main" id="{A214DC0F-6084-42D5-8A7C-23AC0C3AA034}"/>
-              </a:ext>
-            </a:extLst>
-          </p:cNvPr>
-          <p:cNvPicPr>
-            <a:picLocks noChangeAspect="1"/>
-          </p:cNvPicPr>
-          <p:nvPr/>
-        </p:nvPicPr>
-        <p:blipFill>
-          <a:blip r:embed="rId2"/>
-          <a:stretch>
-            <a:fillRect/>
-          </a:stretch>
-        </p:blipFill>
-        <p:spPr>
-          <a:xfrm>
-            <a:off x="6908800" y="1690688"/>
-            <a:ext cx="4753713" cy="3914123"/>
-          </a:xfrm>
-          <a:prstGeom prst="rect">
-            <a:avLst/>
-          </a:prstGeom>
-        </p:spPr>
-      </p:pic>
-      <p:sp>
-        <p:nvSpPr>
-          <p:cNvPr id="3" name="Rectangle 2"/>
-          <p:cNvSpPr/>
-          <p:nvPr/>
-        </p:nvSpPr>
-        <p:spPr>
-          <a:xfrm>
-            <a:off x="677840" y="2496235"/>
-            <a:ext cx="6096000" cy="2585323"/>
-          </a:xfrm>
-          <a:prstGeom prst="rect">
-            <a:avLst/>
-          </a:prstGeom>
-        </p:spPr>
-        <p:txBody>
-          <a:bodyPr>
-            <a:spAutoFit/>
-          </a:bodyPr>
-          <a:lstStyle/>
-          <a:p>
-            <a:r>
-              <a:rPr lang="en-US" b="1" dirty="0">
-                <a:solidFill>
-                  <a:schemeClr val="bg1"/>
-                </a:solidFill>
-              </a:rPr>
-              <a:t>-    Pods may die and new PODs are created. How to access the POD as the IP changes</a:t>
-            </a:r>
-          </a:p>
-          <a:p>
-            <a:pPr marL="285750" indent="-285750">
-              <a:buFontTx/>
-              <a:buChar char="-"/>
+              <a:rPr lang="en-US" sz="2800" b="1" dirty="0">
+                <a:solidFill>
+                  <a:schemeClr val="bg1"/>
+                </a:solidFill>
+              </a:rPr>
+              <a:t>Is a collection of Pods that is exposed as an endpoint.  Is a way of grouping of PODs running in a cluster and how to access them</a:t>
+            </a:r>
+          </a:p>
+          <a:p>
+            <a:endParaRPr lang="en-US" sz="2400" dirty="0">
+              <a:solidFill>
+                <a:schemeClr val="bg1"/>
+              </a:solidFill>
+            </a:endParaRPr>
+          </a:p>
+          <a:p>
+            <a:r>
+              <a:rPr lang="en-US" sz="2400" dirty="0">
+                <a:solidFill>
+                  <a:schemeClr val="bg1"/>
+                </a:solidFill>
+              </a:rPr>
+              <a:t>Different types of Services :</a:t>
+            </a:r>
+          </a:p>
+          <a:p>
+            <a:pPr lvl="1">
+              <a:lnSpc>
+                <a:spcPct val="150000"/>
+              </a:lnSpc>
             </a:pPr>
             <a:r>
-              <a:rPr lang="en-US" b="1" dirty="0">
-                <a:solidFill>
-                  <a:schemeClr val="bg1"/>
-                </a:solidFill>
-              </a:rPr>
-              <a:t>front end Pod talk to back end Pod</a:t>
-            </a:r>
-          </a:p>
-          <a:p>
-            <a:pPr marL="285750" indent="-285750">
-              <a:buFontTx/>
-              <a:buChar char="-"/>
+              <a:rPr lang="en-US" sz="2000" i="1" dirty="0" err="1">
+                <a:solidFill>
+                  <a:schemeClr val="bg1"/>
+                </a:solidFill>
+              </a:rPr>
+              <a:t>ClusterIP</a:t>
+            </a:r>
+            <a:r>
+              <a:rPr lang="en-US" sz="2000" dirty="0">
+                <a:solidFill>
+                  <a:schemeClr val="bg1"/>
+                </a:solidFill>
+              </a:rPr>
+              <a:t> exposes the cluster's internal IP.</a:t>
+            </a:r>
+          </a:p>
+          <a:p>
+            <a:pPr lvl="1">
+              <a:lnSpc>
+                <a:spcPct val="150000"/>
+              </a:lnSpc>
             </a:pPr>
             <a:r>
-              <a:rPr lang="en-US" b="1" dirty="0">
-                <a:solidFill>
-                  <a:schemeClr val="bg1"/>
-                </a:solidFill>
-              </a:rPr>
-              <a:t>external users connect to front end Pod's</a:t>
-            </a:r>
-          </a:p>
-          <a:p>
-            <a:endParaRPr lang="en-IN" b="1" dirty="0">
-              <a:solidFill>
-                <a:schemeClr val="bg1"/>
-              </a:solidFill>
-            </a:endParaRPr>
-          </a:p>
-          <a:p>
-            <a:r>
-              <a:rPr lang="en-US" b="1" dirty="0">
-                <a:solidFill>
-                  <a:schemeClr val="bg1"/>
-                </a:solidFill>
-              </a:rPr>
-              <a:t>Services provide standard services like	</a:t>
-            </a:r>
-          </a:p>
-          <a:p>
-            <a:r>
-              <a:rPr lang="en-US" b="1" dirty="0">
-                <a:solidFill>
-                  <a:schemeClr val="bg1"/>
-                </a:solidFill>
-              </a:rPr>
-              <a:t>	- Load balancing	</a:t>
-            </a:r>
-          </a:p>
-          <a:p>
-            <a:r>
-              <a:rPr lang="en-US" b="1" dirty="0">
-                <a:solidFill>
-                  <a:schemeClr val="bg1"/>
-                </a:solidFill>
-              </a:rPr>
-              <a:t>	- Service discovery</a:t>
-            </a:r>
-          </a:p>
-          <a:p>
-            <a:r>
-              <a:rPr lang="en-US" b="1" dirty="0">
-                <a:solidFill>
-                  <a:schemeClr val="bg1"/>
-                </a:solidFill>
-              </a:rPr>
-              <a:t>	- Feature to support ZDT app deployment</a:t>
-            </a:r>
-            <a:endParaRPr lang="en-IN" b="1" dirty="0">
-              <a:solidFill>
-                <a:schemeClr val="bg1"/>
-              </a:solidFill>
-            </a:endParaRPr>
+              <a:rPr lang="en-US" sz="2000" i="1" dirty="0" err="1">
+                <a:solidFill>
+                  <a:schemeClr val="bg1"/>
+                </a:solidFill>
+              </a:rPr>
+              <a:t>NodePort</a:t>
+            </a:r>
+            <a:r>
+              <a:rPr lang="en-US" sz="2000" dirty="0">
+                <a:solidFill>
+                  <a:schemeClr val="bg1"/>
+                </a:solidFill>
+              </a:rPr>
+              <a:t> exposes the Service on each node's IP at a static port.</a:t>
+            </a:r>
+          </a:p>
+          <a:p>
+            <a:pPr lvl="1">
+              <a:lnSpc>
+                <a:spcPct val="150000"/>
+              </a:lnSpc>
+            </a:pPr>
+            <a:r>
+              <a:rPr lang="en-US" sz="2000" i="1" dirty="0" err="1">
+                <a:solidFill>
+                  <a:schemeClr val="bg1"/>
+                </a:solidFill>
+              </a:rPr>
+              <a:t>LoadBalancer</a:t>
+            </a:r>
+            <a:r>
+              <a:rPr lang="en-US" sz="2000" dirty="0">
+                <a:solidFill>
+                  <a:schemeClr val="bg1"/>
+                </a:solidFill>
+              </a:rPr>
+              <a:t> exposes the Service externally by using a cloud provider's load balancer.</a:t>
+            </a:r>
           </a:p>
         </p:txBody>
       </p:sp>
     </p:spTree>
     <p:extLst>
       <p:ext uri="{BB962C8B-B14F-4D97-AF65-F5344CB8AC3E}">
-        <p14:creationId xmlns:p14="http://schemas.microsoft.com/office/powerpoint/2010/main" val="4248102537"/>
+        <p14:creationId xmlns:p14="http://schemas.microsoft.com/office/powerpoint/2010/main" val="1252132029"/>
       </p:ext>
     </p:extLst>
   </p:cSld>
@@ -17229,6 +17158,36 @@
           </a:p>
         </p:txBody>
       </p:sp>
+      <p:pic>
+        <p:nvPicPr>
+          <p:cNvPr id="4" name="Picture 3">
+            <a:extLst>
+              <a:ext uri="{FF2B5EF4-FFF2-40B4-BE49-F238E27FC236}">
+                <a16:creationId xmlns:a16="http://schemas.microsoft.com/office/drawing/2014/main" id="{A214DC0F-6084-42D5-8A7C-23AC0C3AA034}"/>
+              </a:ext>
+            </a:extLst>
+          </p:cNvPr>
+          <p:cNvPicPr>
+            <a:picLocks noChangeAspect="1"/>
+          </p:cNvPicPr>
+          <p:nvPr/>
+        </p:nvPicPr>
+        <p:blipFill>
+          <a:blip r:embed="rId2"/>
+          <a:stretch>
+            <a:fillRect/>
+          </a:stretch>
+        </p:blipFill>
+        <p:spPr>
+          <a:xfrm>
+            <a:off x="6908800" y="1690688"/>
+            <a:ext cx="4753713" cy="3914123"/>
+          </a:xfrm>
+          <a:prstGeom prst="rect">
+            <a:avLst/>
+          </a:prstGeom>
+        </p:spPr>
+      </p:pic>
       <p:sp>
         <p:nvSpPr>
           <p:cNvPr id="3" name="Rectangle 2"/>
@@ -17341,51 +17300,10 @@
           </a:p>
         </p:txBody>
       </p:sp>
-      <p:pic>
-        <p:nvPicPr>
-          <p:cNvPr id="1026" name="Picture 2" descr="Image result for photo of clusterIP in kubernetes"/>
-          <p:cNvPicPr>
-            <a:picLocks noChangeAspect="1" noChangeArrowheads="1"/>
-          </p:cNvPicPr>
-          <p:nvPr/>
-        </p:nvPicPr>
-        <p:blipFill>
-          <a:blip r:embed="rId2">
-            <a:extLst>
-              <a:ext uri="{28A0092B-C50C-407E-A947-70E740481C1C}">
-                <a14:useLocalDpi xmlns:a14="http://schemas.microsoft.com/office/drawing/2010/main" val="0"/>
-              </a:ext>
-            </a:extLst>
-          </a:blip>
-          <a:srcRect/>
-          <a:stretch>
-            <a:fillRect/>
-          </a:stretch>
-        </p:blipFill>
-        <p:spPr bwMode="auto">
-          <a:xfrm>
-            <a:off x="7296726" y="1539009"/>
-            <a:ext cx="4496089" cy="2774373"/>
-          </a:xfrm>
-          <a:prstGeom prst="rect">
-            <a:avLst/>
-          </a:prstGeom>
-          <a:noFill/>
-          <a:extLst>
-            <a:ext uri="{909E8E84-426E-40DD-AFC4-6F175D3DCCD1}">
-              <a14:hiddenFill xmlns:a14="http://schemas.microsoft.com/office/drawing/2010/main">
-                <a:solidFill>
-                  <a:srgbClr val="FFFFFF"/>
-                </a:solidFill>
-              </a14:hiddenFill>
-            </a:ext>
-          </a:extLst>
-        </p:spPr>
-      </p:pic>
     </p:spTree>
     <p:extLst>
       <p:ext uri="{BB962C8B-B14F-4D97-AF65-F5344CB8AC3E}">
-        <p14:creationId xmlns:p14="http://schemas.microsoft.com/office/powerpoint/2010/main" val="4167934076"/>
+        <p14:creationId xmlns:p14="http://schemas.microsoft.com/office/powerpoint/2010/main" val="4248102537"/>
       </p:ext>
     </p:extLst>
   </p:cSld>
@@ -17449,8 +17367,11 @@
                 <a:solidFill>
                   <a:schemeClr val="bg1"/>
                 </a:solidFill>
-              </a:rPr>
-              <a:t>Cluster IP</a:t>
+                <a:latin typeface="+mn-lt"/>
+                <a:ea typeface="+mn-ea"/>
+                <a:cs typeface="+mn-cs"/>
+              </a:rPr>
+              <a:t>Service</a:t>
             </a:r>
             <a:endParaRPr lang="en-IN" b="1" dirty="0">
               <a:solidFill>
@@ -17509,87 +17430,103 @@
         </p:nvSpPr>
         <p:spPr>
           <a:xfrm>
-            <a:off x="838200" y="1903956"/>
-            <a:ext cx="8573656" cy="2677656"/>
+            <a:off x="677840" y="2496235"/>
+            <a:ext cx="6096000" cy="2585323"/>
           </a:xfrm>
           <a:prstGeom prst="rect">
             <a:avLst/>
           </a:prstGeom>
         </p:spPr>
         <p:txBody>
-          <a:bodyPr wrap="square">
+          <a:bodyPr>
             <a:spAutoFit/>
           </a:bodyPr>
           <a:lstStyle/>
           <a:p>
-            <a:pPr lvl="1"/>
-            <a:r>
-              <a:rPr lang="en-US" sz="2400" b="1" dirty="0">
-                <a:solidFill>
-                  <a:schemeClr val="bg1"/>
-                </a:solidFill>
-              </a:rPr>
-              <a:t>Gives you a service inside your cluster that other </a:t>
-            </a:r>
-          </a:p>
-          <a:p>
-            <a:pPr lvl="1"/>
-            <a:r>
-              <a:rPr lang="en-US" sz="2400" b="1" dirty="0">
-                <a:solidFill>
-                  <a:schemeClr val="bg1"/>
-                </a:solidFill>
-              </a:rPr>
-              <a:t>apps inside your cluster can access. </a:t>
-            </a:r>
-          </a:p>
-          <a:p>
-            <a:pPr lvl="1"/>
-            <a:endParaRPr lang="en-US" sz="2400" b="1" dirty="0">
-              <a:solidFill>
-                <a:schemeClr val="bg1"/>
-              </a:solidFill>
-            </a:endParaRPr>
-          </a:p>
-          <a:p>
-            <a:pPr lvl="1"/>
-            <a:r>
-              <a:rPr lang="en-IN" sz="2400" b="1" dirty="0">
-                <a:solidFill>
-                  <a:schemeClr val="bg1"/>
-                </a:solidFill>
-              </a:rPr>
-              <a:t>It is the default Kubernetes service</a:t>
-            </a:r>
-            <a:endParaRPr lang="en-US" sz="2400" b="1" dirty="0">
-              <a:solidFill>
-                <a:schemeClr val="bg1"/>
-              </a:solidFill>
-            </a:endParaRPr>
-          </a:p>
-          <a:p>
-            <a:endParaRPr lang="en-US" b="1" dirty="0">
-              <a:solidFill>
-                <a:schemeClr val="bg1"/>
-              </a:solidFill>
-            </a:endParaRPr>
-          </a:p>
-          <a:p>
-            <a:endParaRPr lang="en-US" b="1" dirty="0">
-              <a:solidFill>
-                <a:schemeClr val="bg1"/>
-              </a:solidFill>
-            </a:endParaRPr>
-          </a:p>
-          <a:p>
-            <a:endParaRPr lang="en-US" b="1" dirty="0">
-              <a:solidFill>
-                <a:schemeClr val="bg1"/>
-              </a:solidFill>
-            </a:endParaRPr>
-          </a:p>
-          <a:p>
-            <a:endParaRPr lang="en-US" b="1" dirty="0">
+            <a:r>
+              <a:rPr lang="en-US" b="1" dirty="0">
+                <a:solidFill>
+                  <a:schemeClr val="bg1"/>
+                </a:solidFill>
+              </a:rPr>
+              <a:t>-    Pods may die and new PODs are created. How to access the POD as the IP changes</a:t>
+            </a:r>
+          </a:p>
+          <a:p>
+            <a:pPr marL="285750" indent="-285750">
+              <a:buFontTx/>
+              <a:buChar char="-"/>
+            </a:pPr>
+            <a:r>
+              <a:rPr lang="en-US" b="1" dirty="0">
+                <a:solidFill>
+                  <a:schemeClr val="bg1"/>
+                </a:solidFill>
+              </a:rPr>
+              <a:t>front end Pod talk to back end Pod</a:t>
+            </a:r>
+          </a:p>
+          <a:p>
+            <a:pPr marL="285750" indent="-285750">
+              <a:buFontTx/>
+              <a:buChar char="-"/>
+            </a:pPr>
+            <a:r>
+              <a:rPr lang="en-US" b="1" dirty="0">
+                <a:solidFill>
+                  <a:schemeClr val="bg1"/>
+                </a:solidFill>
+              </a:rPr>
+              <a:t>external users connect to front end Pod's</a:t>
+            </a:r>
+          </a:p>
+          <a:p>
+            <a:endParaRPr lang="en-IN" b="1" dirty="0">
+              <a:solidFill>
+                <a:schemeClr val="bg1"/>
+              </a:solidFill>
+            </a:endParaRPr>
+          </a:p>
+          <a:p>
+            <a:r>
+              <a:rPr lang="en-US" b="1" dirty="0">
+                <a:solidFill>
+                  <a:schemeClr val="bg1"/>
+                </a:solidFill>
+              </a:rPr>
+              <a:t>Services provide standard services like	</a:t>
+            </a:r>
+          </a:p>
+          <a:p>
+            <a:r>
+              <a:rPr lang="en-US" b="1" dirty="0">
+                <a:solidFill>
+                  <a:schemeClr val="bg1"/>
+                </a:solidFill>
+              </a:rPr>
+              <a:t>	- Load balancing	</a:t>
+            </a:r>
+          </a:p>
+          <a:p>
+            <a:r>
+              <a:rPr lang="en-US" b="1" dirty="0">
+                <a:solidFill>
+                  <a:schemeClr val="bg1"/>
+                </a:solidFill>
+              </a:rPr>
+              <a:t>	- Service discovery</a:t>
+            </a:r>
+          </a:p>
+          <a:p>
+            <a:r>
+              <a:rPr lang="en-US" b="1" dirty="0">
+                <a:solidFill>
+                  <a:schemeClr val="bg1"/>
+                </a:solidFill>
+              </a:rPr>
+              <a:t>	- Feature to support ZDT app deployment</a:t>
+            </a:r>
+            <a:endParaRPr lang="en-IN" b="1" dirty="0">
               <a:solidFill>
                 <a:schemeClr val="bg1"/>
               </a:solidFill>
@@ -17599,7 +17536,7 @@
       </p:sp>
       <p:pic>
         <p:nvPicPr>
-          <p:cNvPr id="2052" name="Picture 4" descr="Image result for photo of clusterIP in kubernetes"/>
+          <p:cNvPr id="1026" name="Picture 2" descr="Image result for photo of clusterIP in kubernetes"/>
           <p:cNvPicPr>
             <a:picLocks noChangeAspect="1" noChangeArrowheads="1"/>
           </p:cNvPicPr>
@@ -17620,8 +17557,8 @@
         </p:blipFill>
         <p:spPr bwMode="auto">
           <a:xfrm>
-            <a:off x="6844144" y="2294876"/>
-            <a:ext cx="4977101" cy="4281416"/>
+            <a:off x="7296726" y="1539009"/>
+            <a:ext cx="4496089" cy="2774373"/>
           </a:xfrm>
           <a:prstGeom prst="rect">
             <a:avLst/>
@@ -17641,7 +17578,7 @@
     </p:spTree>
     <p:extLst>
       <p:ext uri="{BB962C8B-B14F-4D97-AF65-F5344CB8AC3E}">
-        <p14:creationId xmlns:p14="http://schemas.microsoft.com/office/powerpoint/2010/main" val="1590195938"/>
+        <p14:creationId xmlns:p14="http://schemas.microsoft.com/office/powerpoint/2010/main" val="4167934076"/>
       </p:ext>
     </p:extLst>
   </p:cSld>
@@ -17701,15 +17638,12 @@
           <a:lstStyle/>
           <a:p>
             <a:r>
-              <a:rPr lang="en-US" b="1" dirty="0" err="1">
-                <a:solidFill>
-                  <a:schemeClr val="bg1"/>
-                </a:solidFill>
-                <a:latin typeface="+mn-lt"/>
-                <a:ea typeface="+mn-ea"/>
-                <a:cs typeface="+mn-cs"/>
-              </a:rPr>
-              <a:t>NodePort</a:t>
+              <a:rPr lang="en-US" b="1" dirty="0">
+                <a:solidFill>
+                  <a:schemeClr val="bg1"/>
+                </a:solidFill>
+              </a:rPr>
+              <a:t>Cluster IP</a:t>
             </a:r>
             <a:endParaRPr lang="en-IN" b="1" dirty="0">
               <a:solidFill>
@@ -17760,9 +17694,105 @@
           </a:p>
         </p:txBody>
       </p:sp>
+      <p:sp>
+        <p:nvSpPr>
+          <p:cNvPr id="3" name="Rectangle 2"/>
+          <p:cNvSpPr/>
+          <p:nvPr/>
+        </p:nvSpPr>
+        <p:spPr>
+          <a:xfrm>
+            <a:off x="838200" y="1903956"/>
+            <a:ext cx="8573656" cy="2677656"/>
+          </a:xfrm>
+          <a:prstGeom prst="rect">
+            <a:avLst/>
+          </a:prstGeom>
+        </p:spPr>
+        <p:txBody>
+          <a:bodyPr wrap="square">
+            <a:spAutoFit/>
+          </a:bodyPr>
+          <a:lstStyle/>
+          <a:p>
+            <a:pPr lvl="1"/>
+            <a:r>
+              <a:rPr lang="en-US" sz="2400" b="1" dirty="0">
+                <a:solidFill>
+                  <a:schemeClr val="bg1"/>
+                </a:solidFill>
+              </a:rPr>
+              <a:t>Gives you a service inside your cluster that other </a:t>
+            </a:r>
+          </a:p>
+          <a:p>
+            <a:pPr lvl="1"/>
+            <a:r>
+              <a:rPr lang="en-US" sz="2400" b="1" dirty="0">
+                <a:solidFill>
+                  <a:schemeClr val="bg1"/>
+                </a:solidFill>
+              </a:rPr>
+              <a:t>apps inside your cluster can access. </a:t>
+            </a:r>
+          </a:p>
+          <a:p>
+            <a:pPr lvl="1"/>
+            <a:endParaRPr lang="en-US" sz="2400" b="1" dirty="0">
+              <a:solidFill>
+                <a:schemeClr val="bg1"/>
+              </a:solidFill>
+            </a:endParaRPr>
+          </a:p>
+          <a:p>
+            <a:pPr lvl="1"/>
+            <a:r>
+              <a:rPr lang="en-IN" sz="2400" b="1" dirty="0">
+                <a:solidFill>
+                  <a:schemeClr val="bg1"/>
+                </a:solidFill>
+              </a:rPr>
+              <a:t>It is the default Kubernetes service</a:t>
+            </a:r>
+            <a:endParaRPr lang="en-US" sz="2400" b="1" dirty="0">
+              <a:solidFill>
+                <a:schemeClr val="bg1"/>
+              </a:solidFill>
+            </a:endParaRPr>
+          </a:p>
+          <a:p>
+            <a:endParaRPr lang="en-US" b="1" dirty="0">
+              <a:solidFill>
+                <a:schemeClr val="bg1"/>
+              </a:solidFill>
+            </a:endParaRPr>
+          </a:p>
+          <a:p>
+            <a:endParaRPr lang="en-US" b="1" dirty="0">
+              <a:solidFill>
+                <a:schemeClr val="bg1"/>
+              </a:solidFill>
+            </a:endParaRPr>
+          </a:p>
+          <a:p>
+            <a:endParaRPr lang="en-US" b="1" dirty="0">
+              <a:solidFill>
+                <a:schemeClr val="bg1"/>
+              </a:solidFill>
+            </a:endParaRPr>
+          </a:p>
+          <a:p>
+            <a:endParaRPr lang="en-US" b="1" dirty="0">
+              <a:solidFill>
+                <a:schemeClr val="bg1"/>
+              </a:solidFill>
+            </a:endParaRPr>
+          </a:p>
+        </p:txBody>
+      </p:sp>
       <p:pic>
         <p:nvPicPr>
-          <p:cNvPr id="3076" name="Picture 4" descr="Image result for photo of nodeport in kubernetes"/>
+          <p:cNvPr id="2052" name="Picture 4" descr="Image result for photo of clusterIP in kubernetes"/>
           <p:cNvPicPr>
             <a:picLocks noChangeAspect="1" noChangeArrowheads="1"/>
           </p:cNvPicPr>
@@ -17783,8 +17813,8 @@
         </p:blipFill>
         <p:spPr bwMode="auto">
           <a:xfrm>
-            <a:off x="1212273" y="1219199"/>
-            <a:ext cx="10141527" cy="5477163"/>
+            <a:off x="6844144" y="2294876"/>
+            <a:ext cx="4977101" cy="4281416"/>
           </a:xfrm>
           <a:prstGeom prst="rect">
             <a:avLst/>
@@ -17804,7 +17834,7 @@
     </p:spTree>
     <p:extLst>
       <p:ext uri="{BB962C8B-B14F-4D97-AF65-F5344CB8AC3E}">
-        <p14:creationId xmlns:p14="http://schemas.microsoft.com/office/powerpoint/2010/main" val="4221450740"/>
+        <p14:creationId xmlns:p14="http://schemas.microsoft.com/office/powerpoint/2010/main" val="1590195938"/>
       </p:ext>
     </p:extLst>
   </p:cSld>
@@ -17923,238 +17953,51 @@
           </a:p>
         </p:txBody>
       </p:sp>
-      <p:sp>
-        <p:nvSpPr>
-          <p:cNvPr id="3" name="Rectangle 2"/>
-          <p:cNvSpPr/>
+      <p:pic>
+        <p:nvPicPr>
+          <p:cNvPr id="3076" name="Picture 4" descr="Image result for photo of nodeport in kubernetes"/>
+          <p:cNvPicPr>
+            <a:picLocks noChangeAspect="1" noChangeArrowheads="1"/>
+          </p:cNvPicPr>
           <p:nvPr/>
-        </p:nvSpPr>
-        <p:spPr>
+        </p:nvPicPr>
+        <p:blipFill>
+          <a:blip r:embed="rId2">
+            <a:extLst>
+              <a:ext uri="{28A0092B-C50C-407E-A947-70E740481C1C}">
+                <a14:useLocalDpi xmlns:a14="http://schemas.microsoft.com/office/drawing/2010/main" val="0"/>
+              </a:ext>
+            </a:extLst>
+          </a:blip>
+          <a:srcRect/>
+          <a:stretch>
+            <a:fillRect/>
+          </a:stretch>
+        </p:blipFill>
+        <p:spPr bwMode="auto">
           <a:xfrm>
-            <a:off x="838199" y="1903956"/>
-            <a:ext cx="9358745" cy="2862322"/>
+            <a:off x="1212273" y="1219199"/>
+            <a:ext cx="10141527" cy="5477163"/>
           </a:xfrm>
           <a:prstGeom prst="rect">
             <a:avLst/>
           </a:prstGeom>
+          <a:noFill/>
+          <a:extLst>
+            <a:ext uri="{909E8E84-426E-40DD-AFC4-6F175D3DCCD1}">
+              <a14:hiddenFill xmlns:a14="http://schemas.microsoft.com/office/drawing/2010/main">
+                <a:solidFill>
+                  <a:srgbClr val="FFFFFF"/>
+                </a:solidFill>
+              </a14:hiddenFill>
+            </a:ext>
+          </a:extLst>
         </p:spPr>
-        <p:txBody>
-          <a:bodyPr wrap="square">
-            <a:spAutoFit/>
-          </a:bodyPr>
-          <a:lstStyle/>
-          <a:p>
-            <a:r>
-              <a:rPr lang="en-US" b="1" dirty="0">
-                <a:solidFill>
-                  <a:schemeClr val="bg1"/>
-                </a:solidFill>
-              </a:rPr>
-              <a:t>Lab reference : Refer node-</a:t>
-            </a:r>
-            <a:r>
-              <a:rPr lang="en-US" b="1" dirty="0" err="1">
-                <a:solidFill>
-                  <a:schemeClr val="bg1"/>
-                </a:solidFill>
-              </a:rPr>
-              <a:t>port.yaml</a:t>
-            </a:r>
-            <a:r>
-              <a:rPr lang="en-US" b="1" dirty="0">
-                <a:solidFill>
-                  <a:schemeClr val="bg1"/>
-                </a:solidFill>
-              </a:rPr>
-              <a:t> - works with deploy-</a:t>
-            </a:r>
-            <a:r>
-              <a:rPr lang="en-US" b="1" dirty="0" err="1">
-                <a:solidFill>
-                  <a:schemeClr val="bg1"/>
-                </a:solidFill>
-              </a:rPr>
-              <a:t>ng.yaml</a:t>
-            </a:r>
-            <a:endParaRPr lang="en-US" b="1" dirty="0">
-              <a:solidFill>
-                <a:schemeClr val="bg1"/>
-              </a:solidFill>
-            </a:endParaRPr>
-          </a:p>
-          <a:p>
-            <a:endParaRPr lang="en-US" b="1" dirty="0">
-              <a:solidFill>
-                <a:schemeClr val="bg1"/>
-              </a:solidFill>
-            </a:endParaRPr>
-          </a:p>
-          <a:p>
-            <a:r>
-              <a:rPr lang="en-US" b="1" dirty="0">
-                <a:solidFill>
-                  <a:schemeClr val="bg1"/>
-                </a:solidFill>
-              </a:rPr>
-              <a:t>Port should be between 31000 to 32767</a:t>
-            </a:r>
-          </a:p>
-          <a:p>
-            <a:endParaRPr lang="en-US" b="1" dirty="0">
-              <a:solidFill>
-                <a:schemeClr val="bg1"/>
-              </a:solidFill>
-            </a:endParaRPr>
-          </a:p>
-          <a:p>
-            <a:r>
-              <a:rPr lang="en-US" b="1" dirty="0">
-                <a:solidFill>
-                  <a:schemeClr val="bg1"/>
-                </a:solidFill>
-              </a:rPr>
-              <a:t>How it work</a:t>
-            </a:r>
-          </a:p>
-          <a:p>
-            <a:r>
-              <a:rPr lang="en-US" b="1" dirty="0">
-                <a:solidFill>
-                  <a:schemeClr val="bg1"/>
-                </a:solidFill>
-              </a:rPr>
-              <a:t>	Exposes the Service on each Node’s IP at a static port (the </a:t>
-            </a:r>
-            <a:r>
-              <a:rPr lang="en-US" b="1" dirty="0" err="1">
-                <a:solidFill>
-                  <a:schemeClr val="bg1"/>
-                </a:solidFill>
-              </a:rPr>
-              <a:t>NodePort</a:t>
-            </a:r>
-            <a:r>
-              <a:rPr lang="en-US" b="1" dirty="0">
-                <a:solidFill>
-                  <a:schemeClr val="bg1"/>
-                </a:solidFill>
-              </a:rPr>
-              <a:t>).</a:t>
-            </a:r>
-          </a:p>
-          <a:p>
-            <a:r>
-              <a:rPr lang="en-US" b="1" dirty="0">
-                <a:solidFill>
-                  <a:schemeClr val="bg1"/>
-                </a:solidFill>
-              </a:rPr>
-              <a:t>	</a:t>
-            </a:r>
-            <a:r>
-              <a:rPr lang="en-US" b="1" dirty="0" err="1">
-                <a:solidFill>
-                  <a:schemeClr val="bg1"/>
-                </a:solidFill>
-              </a:rPr>
-              <a:t>ClusterIP</a:t>
-            </a:r>
-            <a:r>
-              <a:rPr lang="en-US" b="1" dirty="0">
-                <a:solidFill>
-                  <a:schemeClr val="bg1"/>
-                </a:solidFill>
-              </a:rPr>
-              <a:t> Service, to which the </a:t>
-            </a:r>
-            <a:r>
-              <a:rPr lang="en-US" b="1" dirty="0" err="1">
-                <a:solidFill>
-                  <a:schemeClr val="bg1"/>
-                </a:solidFill>
-              </a:rPr>
-              <a:t>NodePort</a:t>
-            </a:r>
-            <a:r>
-              <a:rPr lang="en-US" b="1" dirty="0">
-                <a:solidFill>
-                  <a:schemeClr val="bg1"/>
-                </a:solidFill>
-              </a:rPr>
-              <a:t> Service routes, is automatically created.</a:t>
-            </a:r>
-          </a:p>
-          <a:p>
-            <a:r>
-              <a:rPr lang="en-US" b="1" dirty="0">
-                <a:solidFill>
-                  <a:schemeClr val="bg1"/>
-                </a:solidFill>
-              </a:rPr>
-              <a:t>	Contact the </a:t>
-            </a:r>
-            <a:r>
-              <a:rPr lang="en-US" b="1" dirty="0" err="1">
-                <a:solidFill>
-                  <a:schemeClr val="bg1"/>
-                </a:solidFill>
-              </a:rPr>
-              <a:t>NodePort</a:t>
-            </a:r>
-            <a:r>
-              <a:rPr lang="en-US" b="1" dirty="0">
-                <a:solidFill>
-                  <a:schemeClr val="bg1"/>
-                </a:solidFill>
-              </a:rPr>
-              <a:t> Service, from outside the cluster, by requesting &lt;</a:t>
-            </a:r>
-            <a:r>
-              <a:rPr lang="en-US" b="1" dirty="0" err="1">
-                <a:solidFill>
-                  <a:schemeClr val="bg1"/>
-                </a:solidFill>
-              </a:rPr>
-              <a:t>NodeIP</a:t>
-            </a:r>
-            <a:r>
-              <a:rPr lang="en-US" b="1" dirty="0">
-                <a:solidFill>
-                  <a:schemeClr val="bg1"/>
-                </a:solidFill>
-              </a:rPr>
-              <a:t>&gt;:&lt;</a:t>
-            </a:r>
-            <a:r>
-              <a:rPr lang="en-US" b="1" dirty="0" err="1">
-                <a:solidFill>
-                  <a:schemeClr val="bg1"/>
-                </a:solidFill>
-              </a:rPr>
-              <a:t>NodePort</a:t>
-            </a:r>
-            <a:r>
-              <a:rPr lang="en-US" b="1" dirty="0">
-                <a:solidFill>
-                  <a:schemeClr val="bg1"/>
-                </a:solidFill>
-              </a:rPr>
-              <a:t>&gt;.</a:t>
-            </a:r>
-          </a:p>
-          <a:p>
-            <a:endParaRPr lang="en-US" b="1" dirty="0">
-              <a:solidFill>
-                <a:schemeClr val="bg1"/>
-              </a:solidFill>
-            </a:endParaRPr>
-          </a:p>
-        </p:txBody>
-      </p:sp>
+      </p:pic>
     </p:spTree>
     <p:extLst>
       <p:ext uri="{BB962C8B-B14F-4D97-AF65-F5344CB8AC3E}">
-        <p14:creationId xmlns:p14="http://schemas.microsoft.com/office/powerpoint/2010/main" val="4264841355"/>
+        <p14:creationId xmlns:p14="http://schemas.microsoft.com/office/powerpoint/2010/main" val="4221450740"/>
       </p:ext>
     </p:extLst>
   </p:cSld>
@@ -18222,7 +18065,7 @@
                 <a:ea typeface="+mn-ea"/>
                 <a:cs typeface="+mn-cs"/>
               </a:rPr>
-              <a:t>LoadBalancer</a:t>
+              <a:t>NodePort</a:t>
             </a:r>
             <a:endParaRPr lang="en-IN" b="1" dirty="0">
               <a:solidFill>
@@ -18282,7 +18125,7 @@
         <p:spPr>
           <a:xfrm>
             <a:off x="838199" y="1903956"/>
-            <a:ext cx="9358745" cy="2308324"/>
+            <a:ext cx="9358745" cy="2862322"/>
           </a:xfrm>
           <a:prstGeom prst="rect">
             <a:avLst/>
@@ -18300,7 +18143,7 @@
                   <a:schemeClr val="bg1"/>
                 </a:solidFill>
               </a:rPr>
-              <a:t>Why </a:t>
+              <a:t>Lab reference : Refer node-</a:t>
             </a:r>
             <a:r>
               <a:rPr lang="en-US" b="1" dirty="0" err="1">
@@ -18308,7 +18151,7 @@
                   <a:schemeClr val="bg1"/>
                 </a:solidFill>
               </a:rPr>
-              <a:t>LoadBalancer</a:t>
+              <a:t>port.yaml</a:t>
             </a:r>
             <a:r>
               <a:rPr lang="en-US" b="1" dirty="0">
@@ -18316,8 +18159,28 @@
                   <a:schemeClr val="bg1"/>
                 </a:solidFill>
               </a:rPr>
-              <a:t> :</a:t>
-            </a:r>
+              <a:t> - works with deploy-</a:t>
+            </a:r>
+            <a:r>
+              <a:rPr lang="en-US" b="1" dirty="0" err="1">
+                <a:solidFill>
+                  <a:schemeClr val="bg1"/>
+                </a:solidFill>
+              </a:rPr>
+              <a:t>ng.yaml</a:t>
+            </a:r>
+            <a:endParaRPr lang="en-US" b="1" dirty="0">
+              <a:solidFill>
+                <a:schemeClr val="bg1"/>
+              </a:solidFill>
+            </a:endParaRPr>
+          </a:p>
+          <a:p>
+            <a:endParaRPr lang="en-US" b="1" dirty="0">
+              <a:solidFill>
+                <a:schemeClr val="bg1"/>
+              </a:solidFill>
+            </a:endParaRPr>
           </a:p>
           <a:p>
             <a:r>
@@ -18326,7 +18189,34 @@
                   <a:schemeClr val="bg1"/>
                 </a:solidFill>
               </a:rPr>
-              <a:t>	With </a:t>
+              <a:t>Port should be between 31000 to 32767</a:t>
+            </a:r>
+          </a:p>
+          <a:p>
+            <a:endParaRPr lang="en-US" b="1" dirty="0">
+              <a:solidFill>
+                <a:schemeClr val="bg1"/>
+              </a:solidFill>
+            </a:endParaRPr>
+          </a:p>
+          <a:p>
+            <a:r>
+              <a:rPr lang="en-US" b="1" dirty="0">
+                <a:solidFill>
+                  <a:schemeClr val="bg1"/>
+                </a:solidFill>
+              </a:rPr>
+              <a:t>How it work</a:t>
+            </a:r>
+          </a:p>
+          <a:p>
+            <a:r>
+              <a:rPr lang="en-US" b="1" dirty="0">
+                <a:solidFill>
+                  <a:schemeClr val="bg1"/>
+                </a:solidFill>
+              </a:rPr>
+              <a:t>	Exposes the Service on each Node’s IP at a static port (the </a:t>
             </a:r>
             <a:r>
               <a:rPr lang="en-US" b="1" dirty="0" err="1">
@@ -18342,7 +18232,7 @@
                   <a:schemeClr val="bg1"/>
                 </a:solidFill>
               </a:rPr>
-              <a:t> your IP’s would still be spread.</a:t>
+              <a:t>).</a:t>
             </a:r>
           </a:p>
           <a:p>
@@ -18352,17 +18242,97 @@
                   <a:schemeClr val="bg1"/>
                 </a:solidFill>
               </a:rPr>
-              <a:t>	Clients should not connect to a working IP.</a:t>
-            </a:r>
-          </a:p>
-          <a:p>
+              <a:t>	</a:t>
+            </a:r>
+            <a:r>
+              <a:rPr lang="en-US" b="1" dirty="0" err="1">
+                <a:solidFill>
+                  <a:schemeClr val="bg1"/>
+                </a:solidFill>
+              </a:rPr>
+              <a:t>ClusterIP</a:t>
+            </a:r>
             <a:r>
               <a:rPr lang="en-US" b="1" dirty="0">
                 <a:solidFill>
                   <a:schemeClr val="bg1"/>
                 </a:solidFill>
               </a:rPr>
-              <a:t>	A connecting IP can become inaccessible.</a:t>
+              <a:t> Service, to which the </a:t>
+            </a:r>
+            <a:r>
+              <a:rPr lang="en-US" b="1" dirty="0" err="1">
+                <a:solidFill>
+                  <a:schemeClr val="bg1"/>
+                </a:solidFill>
+              </a:rPr>
+              <a:t>NodePort</a:t>
+            </a:r>
+            <a:r>
+              <a:rPr lang="en-US" b="1" dirty="0">
+                <a:solidFill>
+                  <a:schemeClr val="bg1"/>
+                </a:solidFill>
+              </a:rPr>
+              <a:t> Service routes, is automatically created.</a:t>
+            </a:r>
+          </a:p>
+          <a:p>
+            <a:r>
+              <a:rPr lang="en-US" b="1" dirty="0">
+                <a:solidFill>
+                  <a:schemeClr val="bg1"/>
+                </a:solidFill>
+              </a:rPr>
+              <a:t>	Contact the </a:t>
+            </a:r>
+            <a:r>
+              <a:rPr lang="en-US" b="1" dirty="0" err="1">
+                <a:solidFill>
+                  <a:schemeClr val="bg1"/>
+                </a:solidFill>
+              </a:rPr>
+              <a:t>NodePort</a:t>
+            </a:r>
+            <a:r>
+              <a:rPr lang="en-US" b="1" dirty="0">
+                <a:solidFill>
+                  <a:schemeClr val="bg1"/>
+                </a:solidFill>
+              </a:rPr>
+              <a:t> Service, from outside the cluster, by requesting &lt;</a:t>
+            </a:r>
+            <a:r>
+              <a:rPr lang="en-US" b="1" dirty="0" err="1">
+                <a:solidFill>
+                  <a:schemeClr val="bg1"/>
+                </a:solidFill>
+              </a:rPr>
+              <a:t>NodeIP</a:t>
+            </a:r>
+            <a:r>
+              <a:rPr lang="en-US" b="1" dirty="0">
+                <a:solidFill>
+                  <a:schemeClr val="bg1"/>
+                </a:solidFill>
+              </a:rPr>
+              <a:t>&gt;:&lt;</a:t>
+            </a:r>
+            <a:r>
+              <a:rPr lang="en-US" b="1" dirty="0" err="1">
+                <a:solidFill>
+                  <a:schemeClr val="bg1"/>
+                </a:solidFill>
+              </a:rPr>
+              <a:t>NodePort</a:t>
+            </a:r>
+            <a:r>
+              <a:rPr lang="en-US" b="1" dirty="0">
+                <a:solidFill>
+                  <a:schemeClr val="bg1"/>
+                </a:solidFill>
+              </a:rPr>
+              <a:t>&gt;.</a:t>
             </a:r>
           </a:p>
           <a:p>
@@ -18372,74 +18342,12 @@
               </a:solidFill>
             </a:endParaRPr>
           </a:p>
-          <a:p>
-            <a:endParaRPr lang="en-US" b="1" dirty="0">
-              <a:solidFill>
-                <a:schemeClr val="bg1"/>
-              </a:solidFill>
-            </a:endParaRPr>
-          </a:p>
-          <a:p>
-            <a:endParaRPr lang="en-US" b="1" dirty="0">
-              <a:solidFill>
-                <a:schemeClr val="bg1"/>
-              </a:solidFill>
-            </a:endParaRPr>
-          </a:p>
-          <a:p>
-            <a:endParaRPr lang="en-US" b="1" dirty="0">
-              <a:solidFill>
-                <a:schemeClr val="bg1"/>
-              </a:solidFill>
-            </a:endParaRPr>
-          </a:p>
-        </p:txBody>
-      </p:sp>
-      <p:pic>
-        <p:nvPicPr>
-          <p:cNvPr id="5122" name="Picture 2" descr="https://suedbroecker.files.wordpress.com/2019/03/kube-basic-architecture.jpg?w=669&amp;h=312&amp;crop=1"/>
-          <p:cNvPicPr>
-            <a:picLocks noChangeAspect="1" noChangeArrowheads="1"/>
-          </p:cNvPicPr>
-          <p:nvPr/>
-        </p:nvPicPr>
-        <p:blipFill>
-          <a:blip r:embed="rId2">
-            <a:extLst>
-              <a:ext uri="{28A0092B-C50C-407E-A947-70E740481C1C}">
-                <a14:useLocalDpi xmlns:a14="http://schemas.microsoft.com/office/drawing/2010/main" val="0"/>
-              </a:ext>
-            </a:extLst>
-          </a:blip>
-          <a:srcRect/>
-          <a:stretch>
-            <a:fillRect/>
-          </a:stretch>
-        </p:blipFill>
-        <p:spPr bwMode="auto">
-          <a:xfrm>
-            <a:off x="5217102" y="3085827"/>
-            <a:ext cx="6372225" cy="2971801"/>
-          </a:xfrm>
-          <a:prstGeom prst="rect">
-            <a:avLst/>
-          </a:prstGeom>
-          <a:noFill/>
-          <a:extLst>
-            <a:ext uri="{909E8E84-426E-40DD-AFC4-6F175D3DCCD1}">
-              <a14:hiddenFill xmlns:a14="http://schemas.microsoft.com/office/drawing/2010/main">
-                <a:solidFill>
-                  <a:srgbClr val="FFFFFF"/>
-                </a:solidFill>
-              </a14:hiddenFill>
-            </a:ext>
-          </a:extLst>
-        </p:spPr>
-      </p:pic>
+        </p:txBody>
+      </p:sp>
     </p:spTree>
     <p:extLst>
       <p:ext uri="{BB962C8B-B14F-4D97-AF65-F5344CB8AC3E}">
-        <p14:creationId xmlns:p14="http://schemas.microsoft.com/office/powerpoint/2010/main" val="433579419"/>
+        <p14:creationId xmlns:p14="http://schemas.microsoft.com/office/powerpoint/2010/main" val="4264841355"/>
       </p:ext>
     </p:extLst>
   </p:cSld>
@@ -18499,7 +18407,7 @@
           <a:lstStyle/>
           <a:p>
             <a:r>
-              <a:rPr lang="en-US" b="1" dirty="0">
+              <a:rPr lang="en-US" b="1" dirty="0" err="1">
                 <a:solidFill>
                   <a:schemeClr val="bg1"/>
                 </a:solidFill>
@@ -18507,7 +18415,7 @@
                 <a:ea typeface="+mn-ea"/>
                 <a:cs typeface="+mn-cs"/>
               </a:rPr>
-              <a:t>Jobs</a:t>
+              <a:t>LoadBalancer</a:t>
             </a:r>
             <a:endParaRPr lang="en-IN" b="1" dirty="0">
               <a:solidFill>
@@ -18553,62 +18461,126 @@
                   <a:schemeClr val="bg1"/>
                 </a:solidFill>
               </a:rPr>
-              <a:t>Two types</a:t>
-            </a:r>
-          </a:p>
-          <a:p>
-            <a:r>
-              <a:rPr lang="en-US" sz="2600" b="1" dirty="0">
-                <a:solidFill>
-                  <a:schemeClr val="bg1"/>
-                </a:solidFill>
-              </a:rPr>
-              <a:t>	- Jobs: One time jobs</a:t>
-            </a:r>
-          </a:p>
-          <a:p>
-            <a:r>
-              <a:rPr lang="en-US" sz="2600" b="1" dirty="0">
-                <a:solidFill>
-                  <a:schemeClr val="bg1"/>
-                </a:solidFill>
-              </a:rPr>
-              <a:t>	- </a:t>
-            </a:r>
-            <a:r>
-              <a:rPr lang="en-US" sz="2600" b="1" dirty="0" err="1">
-                <a:solidFill>
-                  <a:schemeClr val="bg1"/>
-                </a:solidFill>
-              </a:rPr>
-              <a:t>CronJobs</a:t>
-            </a:r>
-            <a:r>
-              <a:rPr lang="en-US" sz="2600" b="1" dirty="0">
-                <a:solidFill>
-                  <a:schemeClr val="bg1"/>
-                </a:solidFill>
-              </a:rPr>
-              <a:t>: Scheduled</a:t>
-            </a:r>
-          </a:p>
-          <a:p>
-            <a:pPr marL="457200" indent="-457200">
-              <a:buFontTx/>
-              <a:buChar char="-"/>
-            </a:pPr>
-            <a:endParaRPr lang="en-US" sz="2600" b="1" dirty="0">
-              <a:solidFill>
-                <a:schemeClr val="bg1"/>
-              </a:solidFill>
-            </a:endParaRPr>
-          </a:p>
-          <a:p>
-            <a:pPr marL="457200" indent="-457200">
-              <a:buFontTx/>
-              <a:buChar char="-"/>
-            </a:pPr>
-            <a:endParaRPr lang="en-US" sz="2600" b="1" dirty="0">
+              <a:t>	</a:t>
+            </a:r>
+          </a:p>
+        </p:txBody>
+      </p:sp>
+      <p:sp>
+        <p:nvSpPr>
+          <p:cNvPr id="3" name="Rectangle 2"/>
+          <p:cNvSpPr/>
+          <p:nvPr/>
+        </p:nvSpPr>
+        <p:spPr>
+          <a:xfrm>
+            <a:off x="838199" y="1903956"/>
+            <a:ext cx="9358745" cy="2308324"/>
+          </a:xfrm>
+          <a:prstGeom prst="rect">
+            <a:avLst/>
+          </a:prstGeom>
+        </p:spPr>
+        <p:txBody>
+          <a:bodyPr wrap="square">
+            <a:spAutoFit/>
+          </a:bodyPr>
+          <a:lstStyle/>
+          <a:p>
+            <a:r>
+              <a:rPr lang="en-US" b="1" dirty="0">
+                <a:solidFill>
+                  <a:schemeClr val="bg1"/>
+                </a:solidFill>
+              </a:rPr>
+              <a:t>Why </a:t>
+            </a:r>
+            <a:r>
+              <a:rPr lang="en-US" b="1" dirty="0" err="1">
+                <a:solidFill>
+                  <a:schemeClr val="bg1"/>
+                </a:solidFill>
+              </a:rPr>
+              <a:t>LoadBalancer</a:t>
+            </a:r>
+            <a:r>
+              <a:rPr lang="en-US" b="1" dirty="0">
+                <a:solidFill>
+                  <a:schemeClr val="bg1"/>
+                </a:solidFill>
+              </a:rPr>
+              <a:t> :</a:t>
+            </a:r>
+          </a:p>
+          <a:p>
+            <a:r>
+              <a:rPr lang="en-US" b="1" dirty="0">
+                <a:solidFill>
+                  <a:schemeClr val="bg1"/>
+                </a:solidFill>
+              </a:rPr>
+              <a:t>	With </a:t>
+            </a:r>
+            <a:r>
+              <a:rPr lang="en-US" b="1" dirty="0" err="1">
+                <a:solidFill>
+                  <a:schemeClr val="bg1"/>
+                </a:solidFill>
+              </a:rPr>
+              <a:t>NodePort</a:t>
+            </a:r>
+            <a:r>
+              <a:rPr lang="en-US" b="1" dirty="0">
+                <a:solidFill>
+                  <a:schemeClr val="bg1"/>
+                </a:solidFill>
+              </a:rPr>
+              <a:t> your IP’s would still be spread.</a:t>
+            </a:r>
+          </a:p>
+          <a:p>
+            <a:r>
+              <a:rPr lang="en-US" b="1" dirty="0">
+                <a:solidFill>
+                  <a:schemeClr val="bg1"/>
+                </a:solidFill>
+              </a:rPr>
+              <a:t>	Clients should not connect to a working IP.</a:t>
+            </a:r>
+          </a:p>
+          <a:p>
+            <a:r>
+              <a:rPr lang="en-US" b="1" dirty="0">
+                <a:solidFill>
+                  <a:schemeClr val="bg1"/>
+                </a:solidFill>
+              </a:rPr>
+              <a:t>	A connecting IP can become inaccessible.</a:t>
+            </a:r>
+          </a:p>
+          <a:p>
+            <a:endParaRPr lang="en-US" b="1" dirty="0">
+              <a:solidFill>
+                <a:schemeClr val="bg1"/>
+              </a:solidFill>
+            </a:endParaRPr>
+          </a:p>
+          <a:p>
+            <a:endParaRPr lang="en-US" b="1" dirty="0">
+              <a:solidFill>
+                <a:schemeClr val="bg1"/>
+              </a:solidFill>
+            </a:endParaRPr>
+          </a:p>
+          <a:p>
+            <a:endParaRPr lang="en-US" b="1" dirty="0">
+              <a:solidFill>
+                <a:schemeClr val="bg1"/>
+              </a:solidFill>
+            </a:endParaRPr>
+          </a:p>
+          <a:p>
+            <a:endParaRPr lang="en-US" b="1" dirty="0">
               <a:solidFill>
                 <a:schemeClr val="bg1"/>
               </a:solidFill>
@@ -18618,7 +18590,7 @@
       </p:sp>
       <p:pic>
         <p:nvPicPr>
-          <p:cNvPr id="6148" name="Picture 4" descr="Create Kubernetes Jobs/Cron Jobs"/>
+          <p:cNvPr id="5122" name="Picture 2" descr="https://suedbroecker.files.wordpress.com/2019/03/kube-basic-architecture.jpg?w=669&amp;h=312&amp;crop=1"/>
           <p:cNvPicPr>
             <a:picLocks noChangeAspect="1" noChangeArrowheads="1"/>
           </p:cNvPicPr>
@@ -18639,8 +18611,8 @@
         </p:blipFill>
         <p:spPr bwMode="auto">
           <a:xfrm>
-            <a:off x="6317673" y="3170742"/>
-            <a:ext cx="5334000" cy="3000376"/>
+            <a:off x="5217102" y="3085827"/>
+            <a:ext cx="6372225" cy="2971801"/>
           </a:xfrm>
           <a:prstGeom prst="rect">
             <a:avLst/>
@@ -18660,7 +18632,7 @@
     </p:spTree>
     <p:extLst>
       <p:ext uri="{BB962C8B-B14F-4D97-AF65-F5344CB8AC3E}">
-        <p14:creationId xmlns:p14="http://schemas.microsoft.com/office/powerpoint/2010/main" val="340647147"/>
+        <p14:creationId xmlns:p14="http://schemas.microsoft.com/office/powerpoint/2010/main" val="433579419"/>
       </p:ext>
     </p:extLst>
   </p:cSld>
@@ -18769,53 +18741,48 @@
           <a:lstStyle/>
           <a:p>
             <a:r>
-              <a:rPr lang="en-US" sz="2800" b="1" dirty="0">
-                <a:solidFill>
-                  <a:schemeClr val="bg1"/>
-                </a:solidFill>
-              </a:rPr>
-              <a:t>Creates one or more Pods and ensures that a specified number of them successfully terminate.</a:t>
-            </a:r>
-          </a:p>
-          <a:p>
-            <a:endParaRPr lang="en-US" sz="2800" b="1" dirty="0">
-              <a:solidFill>
-                <a:schemeClr val="bg1"/>
-              </a:solidFill>
-            </a:endParaRPr>
-          </a:p>
-          <a:p>
-            <a:r>
-              <a:rPr lang="en-US" sz="2800" b="1" dirty="0">
-                <a:solidFill>
-                  <a:schemeClr val="bg1"/>
-                </a:solidFill>
-              </a:rPr>
-              <a:t>Primarily meant for short-lived and batch workloads. </a:t>
-            </a:r>
-          </a:p>
-          <a:p>
-            <a:endParaRPr lang="en-US" sz="2800" b="1" dirty="0">
-              <a:solidFill>
-                <a:schemeClr val="bg1"/>
-              </a:solidFill>
-            </a:endParaRPr>
-          </a:p>
-          <a:p>
-            <a:endParaRPr lang="en-US" sz="2800" b="1" dirty="0">
-              <a:solidFill>
-                <a:schemeClr val="bg1"/>
-              </a:solidFill>
-            </a:endParaRPr>
-          </a:p>
-          <a:p>
-            <a:r>
-              <a:rPr lang="en-US" sz="2800" b="1" dirty="0">
-                <a:solidFill>
-                  <a:schemeClr val="bg1"/>
-                </a:solidFill>
-              </a:rPr>
-              <a:t>Jobs run until the tasks specified in the job is completed.  </a:t>
+              <a:rPr lang="en-US" sz="2600" b="1" dirty="0">
+                <a:solidFill>
+                  <a:schemeClr val="bg1"/>
+                </a:solidFill>
+              </a:rPr>
+              <a:t>Two types</a:t>
+            </a:r>
+          </a:p>
+          <a:p>
+            <a:r>
+              <a:rPr lang="en-US" sz="2600" b="1" dirty="0">
+                <a:solidFill>
+                  <a:schemeClr val="bg1"/>
+                </a:solidFill>
+              </a:rPr>
+              <a:t>	- Jobs: One time jobs</a:t>
+            </a:r>
+          </a:p>
+          <a:p>
+            <a:r>
+              <a:rPr lang="en-US" sz="2600" b="1" dirty="0">
+                <a:solidFill>
+                  <a:schemeClr val="bg1"/>
+                </a:solidFill>
+              </a:rPr>
+              <a:t>	- </a:t>
+            </a:r>
+            <a:r>
+              <a:rPr lang="en-US" sz="2600" b="1" dirty="0" err="1">
+                <a:solidFill>
+                  <a:schemeClr val="bg1"/>
+                </a:solidFill>
+              </a:rPr>
+              <a:t>CronJobs</a:t>
+            </a:r>
+            <a:r>
+              <a:rPr lang="en-US" sz="2600" b="1" dirty="0">
+                <a:solidFill>
+                  <a:schemeClr val="bg1"/>
+                </a:solidFill>
+              </a:rPr>
+              <a:t>: Scheduled</a:t>
             </a:r>
           </a:p>
           <a:p>
@@ -18840,23 +18807,53 @@
               </a:solidFill>
             </a:endParaRPr>
           </a:p>
-          <a:p>
-            <a:pPr marL="457200" indent="-457200">
-              <a:buFontTx/>
-              <a:buChar char="-"/>
-            </a:pPr>
-            <a:endParaRPr lang="en-US" sz="2600" b="1" dirty="0">
-              <a:solidFill>
-                <a:schemeClr val="bg1"/>
-              </a:solidFill>
-            </a:endParaRPr>
-          </a:p>
-        </p:txBody>
-      </p:sp>
+        </p:txBody>
+      </p:sp>
+      <p:pic>
+        <p:nvPicPr>
+          <p:cNvPr id="6148" name="Picture 4" descr="Create Kubernetes Jobs/Cron Jobs"/>
+          <p:cNvPicPr>
+            <a:picLocks noChangeAspect="1" noChangeArrowheads="1"/>
+          </p:cNvPicPr>
+          <p:nvPr/>
+        </p:nvPicPr>
+        <p:blipFill>
+          <a:blip r:embed="rId2">
+            <a:extLst>
+              <a:ext uri="{28A0092B-C50C-407E-A947-70E740481C1C}">
+                <a14:useLocalDpi xmlns:a14="http://schemas.microsoft.com/office/drawing/2010/main" val="0"/>
+              </a:ext>
+            </a:extLst>
+          </a:blip>
+          <a:srcRect/>
+          <a:stretch>
+            <a:fillRect/>
+          </a:stretch>
+        </p:blipFill>
+        <p:spPr bwMode="auto">
+          <a:xfrm>
+            <a:off x="6317673" y="3170742"/>
+            <a:ext cx="5334000" cy="3000376"/>
+          </a:xfrm>
+          <a:prstGeom prst="rect">
+            <a:avLst/>
+          </a:prstGeom>
+          <a:noFill/>
+          <a:extLst>
+            <a:ext uri="{909E8E84-426E-40DD-AFC4-6F175D3DCCD1}">
+              <a14:hiddenFill xmlns:a14="http://schemas.microsoft.com/office/drawing/2010/main">
+                <a:solidFill>
+                  <a:srgbClr val="FFFFFF"/>
+                </a:solidFill>
+              </a14:hiddenFill>
+            </a:ext>
+          </a:extLst>
+        </p:spPr>
+      </p:pic>
     </p:spTree>
     <p:extLst>
       <p:ext uri="{BB962C8B-B14F-4D97-AF65-F5344CB8AC3E}">
-        <p14:creationId xmlns:p14="http://schemas.microsoft.com/office/powerpoint/2010/main" val="3218244420"/>
+        <p14:creationId xmlns:p14="http://schemas.microsoft.com/office/powerpoint/2010/main" val="340647147"/>
       </p:ext>
     </p:extLst>
   </p:cSld>
@@ -19074,31 +19071,55 @@
           </a:bodyPr>
           <a:lstStyle/>
           <a:p>
-            <a:pPr marL="457200" indent="-457200">
-              <a:buFontTx/>
-              <a:buChar char="-"/>
-            </a:pPr>
-            <a:r>
-              <a:rPr lang="en-US" sz="2600" b="1" dirty="0">
-                <a:solidFill>
-                  <a:schemeClr val="bg1"/>
-                </a:solidFill>
-              </a:rPr>
-              <a:t>Vi </a:t>
-            </a:r>
-            <a:r>
-              <a:rPr lang="en-US" sz="2600" b="1" dirty="0" err="1">
-                <a:solidFill>
-                  <a:schemeClr val="bg1"/>
-                </a:solidFill>
-              </a:rPr>
-              <a:t>jobs.yaml</a:t>
-            </a:r>
-            <a:endParaRPr lang="en-US" sz="2600" b="1" dirty="0">
-              <a:solidFill>
-                <a:schemeClr val="bg1"/>
-              </a:solidFill>
-            </a:endParaRPr>
+            <a:r>
+              <a:rPr lang="en-US" sz="2800" b="1" dirty="0">
+                <a:solidFill>
+                  <a:schemeClr val="bg1"/>
+                </a:solidFill>
+              </a:rPr>
+              <a:t>Creates one or more Pods and ensures that a specified number of them successfully terminate.</a:t>
+            </a:r>
+          </a:p>
+          <a:p>
+            <a:endParaRPr lang="en-US" sz="2800" b="1" dirty="0">
+              <a:solidFill>
+                <a:schemeClr val="bg1"/>
+              </a:solidFill>
+            </a:endParaRPr>
+          </a:p>
+          <a:p>
+            <a:r>
+              <a:rPr lang="en-US" sz="2800" b="1" dirty="0">
+                <a:solidFill>
+                  <a:schemeClr val="bg1"/>
+                </a:solidFill>
+              </a:rPr>
+              <a:t>Primarily meant for short-lived and batch workloads. </a:t>
+            </a:r>
+          </a:p>
+          <a:p>
+            <a:endParaRPr lang="en-US" sz="2800" b="1" dirty="0">
+              <a:solidFill>
+                <a:schemeClr val="bg1"/>
+              </a:solidFill>
+            </a:endParaRPr>
+          </a:p>
+          <a:p>
+            <a:endParaRPr lang="en-US" sz="2800" b="1" dirty="0">
+              <a:solidFill>
+                <a:schemeClr val="bg1"/>
+              </a:solidFill>
+            </a:endParaRPr>
+          </a:p>
+          <a:p>
+            <a:r>
+              <a:rPr lang="en-US" sz="2800" b="1" dirty="0">
+                <a:solidFill>
+                  <a:schemeClr val="bg1"/>
+                </a:solidFill>
+              </a:rPr>
+              <a:t>Jobs run until the tasks specified in the job is completed.  </a:t>
+            </a:r>
           </a:p>
           <a:p>
             <a:pPr marL="457200" indent="-457200">
@@ -19133,121 +19154,12 @@
               </a:solidFill>
             </a:endParaRPr>
           </a:p>
-          <a:p>
-            <a:pPr marL="457200" indent="-457200">
-              <a:buFontTx/>
-              <a:buChar char="-"/>
-            </a:pPr>
-            <a:endParaRPr lang="en-US" sz="2600" b="1" dirty="0">
-              <a:solidFill>
-                <a:schemeClr val="bg1"/>
-              </a:solidFill>
-            </a:endParaRPr>
-          </a:p>
-          <a:p>
-            <a:pPr marL="457200" indent="-457200">
-              <a:buFontTx/>
-              <a:buChar char="-"/>
-            </a:pPr>
-            <a:r>
-              <a:rPr lang="en-US" sz="2800" b="1" dirty="0">
-                <a:solidFill>
-                  <a:schemeClr val="bg1"/>
-                </a:solidFill>
-              </a:rPr>
-              <a:t>You can get the job pod logs using </a:t>
-            </a:r>
-            <a:r>
-              <a:rPr lang="en-US" sz="2800" b="1" dirty="0" err="1">
-                <a:solidFill>
-                  <a:schemeClr val="bg1"/>
-                </a:solidFill>
-              </a:rPr>
-              <a:t>kubectl</a:t>
-            </a:r>
-            <a:endParaRPr lang="en-IN" sz="2800" b="1" dirty="0">
-              <a:solidFill>
-                <a:schemeClr val="bg1"/>
-              </a:solidFill>
-            </a:endParaRPr>
-          </a:p>
-          <a:p>
-            <a:pPr marL="457200" indent="-457200">
-              <a:buFontTx/>
-              <a:buChar char="-"/>
-            </a:pPr>
-            <a:endParaRPr lang="en-US" sz="2600" b="1" dirty="0">
-              <a:solidFill>
-                <a:schemeClr val="bg1"/>
-              </a:solidFill>
-            </a:endParaRPr>
-          </a:p>
-        </p:txBody>
-      </p:sp>
-      <p:pic>
-        <p:nvPicPr>
-          <p:cNvPr id="5" name="Picture 4">
-            <a:extLst>
-              <a:ext uri="{FF2B5EF4-FFF2-40B4-BE49-F238E27FC236}">
-                <a16:creationId xmlns:a16="http://schemas.microsoft.com/office/drawing/2014/main" id="{2D355BCB-41AE-4748-8976-6AACBA1334A5}"/>
-              </a:ext>
-            </a:extLst>
-          </p:cNvPr>
-          <p:cNvPicPr>
-            <a:picLocks noChangeAspect="1"/>
-          </p:cNvPicPr>
-          <p:nvPr/>
-        </p:nvPicPr>
-        <p:blipFill>
-          <a:blip r:embed="rId2"/>
-          <a:stretch>
-            <a:fillRect/>
-          </a:stretch>
-        </p:blipFill>
-        <p:spPr>
-          <a:xfrm>
-            <a:off x="939453" y="2703501"/>
-            <a:ext cx="3057525" cy="438150"/>
-          </a:xfrm>
-          <a:prstGeom prst="rect">
-            <a:avLst/>
-          </a:prstGeom>
-        </p:spPr>
-      </p:pic>
-      <p:pic>
-        <p:nvPicPr>
-          <p:cNvPr id="7" name="Picture 6">
-            <a:extLst>
-              <a:ext uri="{FF2B5EF4-FFF2-40B4-BE49-F238E27FC236}">
-                <a16:creationId xmlns:a16="http://schemas.microsoft.com/office/drawing/2014/main" id="{81F4FB3B-0BE8-47F2-ADB5-C9B492548A58}"/>
-              </a:ext>
-            </a:extLst>
-          </p:cNvPr>
-          <p:cNvPicPr>
-            <a:picLocks noChangeAspect="1"/>
-          </p:cNvPicPr>
-          <p:nvPr/>
-        </p:nvPicPr>
-        <p:blipFill>
-          <a:blip r:embed="rId3"/>
-          <a:stretch>
-            <a:fillRect/>
-          </a:stretch>
-        </p:blipFill>
-        <p:spPr>
-          <a:xfrm>
-            <a:off x="1091722" y="4817496"/>
-            <a:ext cx="5048250" cy="504825"/>
-          </a:xfrm>
-          <a:prstGeom prst="rect">
-            <a:avLst/>
-          </a:prstGeom>
-        </p:spPr>
-      </p:pic>
+        </p:txBody>
+      </p:sp>
     </p:spTree>
     <p:extLst>
       <p:ext uri="{BB962C8B-B14F-4D97-AF65-F5344CB8AC3E}">
-        <p14:creationId xmlns:p14="http://schemas.microsoft.com/office/powerpoint/2010/main" val="2017559449"/>
+        <p14:creationId xmlns:p14="http://schemas.microsoft.com/office/powerpoint/2010/main" val="3218244420"/>
       </p:ext>
     </p:extLst>
   </p:cSld>
@@ -19307,7 +19219,7 @@
           <a:lstStyle/>
           <a:p>
             <a:r>
-              <a:rPr lang="en-US" b="1" dirty="0" err="1">
+              <a:rPr lang="en-US" b="1" dirty="0">
                 <a:solidFill>
                   <a:schemeClr val="bg1"/>
                 </a:solidFill>
@@ -19315,7 +19227,7 @@
                 <a:ea typeface="+mn-ea"/>
                 <a:cs typeface="+mn-cs"/>
               </a:rPr>
-              <a:t>CronJobs</a:t>
+              <a:t>Jobs</a:t>
             </a:r>
             <a:endParaRPr lang="en-IN" b="1" dirty="0">
               <a:solidFill>
@@ -19359,6 +19271,22 @@
               <a:buFontTx/>
               <a:buChar char="-"/>
             </a:pPr>
+            <a:r>
+              <a:rPr lang="en-US" sz="2600" b="1" dirty="0">
+                <a:solidFill>
+                  <a:schemeClr val="bg1"/>
+                </a:solidFill>
+              </a:rPr>
+              <a:t>Vi </a:t>
+            </a:r>
+            <a:r>
+              <a:rPr lang="en-US" sz="2600" b="1" dirty="0" err="1">
+                <a:solidFill>
+                  <a:schemeClr val="bg1"/>
+                </a:solidFill>
+              </a:rPr>
+              <a:t>jobs.yaml</a:t>
+            </a:r>
             <a:endParaRPr lang="en-US" sz="2600" b="1" dirty="0">
               <a:solidFill>
                 <a:schemeClr val="bg1"/>
@@ -19387,6 +19315,66 @@
               </a:solidFill>
             </a:endParaRPr>
           </a:p>
+          <a:p>
+            <a:pPr marL="457200" indent="-457200">
+              <a:buFontTx/>
+              <a:buChar char="-"/>
+            </a:pPr>
+            <a:endParaRPr lang="en-US" sz="2600" b="1" dirty="0">
+              <a:solidFill>
+                <a:schemeClr val="bg1"/>
+              </a:solidFill>
+            </a:endParaRPr>
+          </a:p>
+          <a:p>
+            <a:pPr marL="457200" indent="-457200">
+              <a:buFontTx/>
+              <a:buChar char="-"/>
+            </a:pPr>
+            <a:endParaRPr lang="en-US" sz="2600" b="1" dirty="0">
+              <a:solidFill>
+                <a:schemeClr val="bg1"/>
+              </a:solidFill>
+            </a:endParaRPr>
+          </a:p>
+          <a:p>
+            <a:pPr marL="457200" indent="-457200">
+              <a:buFontTx/>
+              <a:buChar char="-"/>
+            </a:pPr>
+            <a:r>
+              <a:rPr lang="en-US" sz="2800" b="1" dirty="0">
+                <a:solidFill>
+                  <a:schemeClr val="bg1"/>
+                </a:solidFill>
+              </a:rPr>
+              <a:t>You can get the job pod logs using </a:t>
+            </a:r>
+            <a:r>
+              <a:rPr lang="en-US" sz="2800" b="1" dirty="0" err="1">
+                <a:solidFill>
+                  <a:schemeClr val="bg1"/>
+                </a:solidFill>
+              </a:rPr>
+              <a:t>kubectl</a:t>
+            </a:r>
+            <a:endParaRPr lang="en-IN" sz="2800" b="1" dirty="0">
+              <a:solidFill>
+                <a:schemeClr val="bg1"/>
+              </a:solidFill>
+            </a:endParaRPr>
+          </a:p>
+          <a:p>
+            <a:pPr marL="457200" indent="-457200">
+              <a:buFontTx/>
+              <a:buChar char="-"/>
+            </a:pPr>
+            <a:endParaRPr lang="en-US" sz="2600" b="1" dirty="0">
+              <a:solidFill>
+                <a:schemeClr val="bg1"/>
+              </a:solidFill>
+            </a:endParaRPr>
+          </a:p>
         </p:txBody>
       </p:sp>
       <p:pic>
@@ -19394,7 +19382,7 @@
           <p:cNvPr id="5" name="Picture 4">
             <a:extLst>
               <a:ext uri="{FF2B5EF4-FFF2-40B4-BE49-F238E27FC236}">
-                <a16:creationId xmlns:a16="http://schemas.microsoft.com/office/drawing/2014/main" id="{C5022DB1-9039-4D18-8F47-C6BD30D26535}"/>
+                <a16:creationId xmlns:a16="http://schemas.microsoft.com/office/drawing/2014/main" id="{2D355BCB-41AE-4748-8976-6AACBA1334A5}"/>
               </a:ext>
             </a:extLst>
           </p:cNvPr>
@@ -19411,8 +19399,8 @@
         </p:blipFill>
         <p:spPr>
           <a:xfrm>
-            <a:off x="1209153" y="2078682"/>
-            <a:ext cx="3810000" cy="533400"/>
+            <a:off x="939453" y="2703501"/>
+            <a:ext cx="3057525" cy="438150"/>
           </a:xfrm>
           <a:prstGeom prst="rect">
             <a:avLst/>
@@ -19424,7 +19412,7 @@
           <p:cNvPr id="7" name="Picture 6">
             <a:extLst>
               <a:ext uri="{FF2B5EF4-FFF2-40B4-BE49-F238E27FC236}">
-                <a16:creationId xmlns:a16="http://schemas.microsoft.com/office/drawing/2014/main" id="{654D99B2-50D2-4B61-97E9-9244A6EC7A0C}"/>
+                <a16:creationId xmlns:a16="http://schemas.microsoft.com/office/drawing/2014/main" id="{81F4FB3B-0BE8-47F2-ADB5-C9B492548A58}"/>
               </a:ext>
             </a:extLst>
           </p:cNvPr>
@@ -19441,38 +19429,8 @@
         </p:blipFill>
         <p:spPr>
           <a:xfrm>
-            <a:off x="1209153" y="3580290"/>
-            <a:ext cx="4019550" cy="542925"/>
-          </a:xfrm>
-          <a:prstGeom prst="rect">
-            <a:avLst/>
-          </a:prstGeom>
-        </p:spPr>
-      </p:pic>
-      <p:pic>
-        <p:nvPicPr>
-          <p:cNvPr id="8" name="Picture 7">
-            <a:extLst>
-              <a:ext uri="{FF2B5EF4-FFF2-40B4-BE49-F238E27FC236}">
-                <a16:creationId xmlns:a16="http://schemas.microsoft.com/office/drawing/2014/main" id="{B30B5811-2CE6-4905-935B-EEB018AEEF7C}"/>
-              </a:ext>
-            </a:extLst>
-          </p:cNvPr>
-          <p:cNvPicPr>
-            <a:picLocks noChangeAspect="1"/>
-          </p:cNvPicPr>
-          <p:nvPr/>
-        </p:nvPicPr>
-        <p:blipFill>
-          <a:blip r:embed="rId4"/>
-          <a:stretch>
-            <a:fillRect/>
-          </a:stretch>
-        </p:blipFill>
-        <p:spPr>
-          <a:xfrm>
-            <a:off x="1209153" y="4848535"/>
-            <a:ext cx="2790825" cy="485775"/>
+            <a:off x="1091722" y="4817496"/>
+            <a:ext cx="5048250" cy="504825"/>
           </a:xfrm>
           <a:prstGeom prst="rect">
             <a:avLst/>
@@ -19482,7 +19440,7 @@
     </p:spTree>
     <p:extLst>
       <p:ext uri="{BB962C8B-B14F-4D97-AF65-F5344CB8AC3E}">
-        <p14:creationId xmlns:p14="http://schemas.microsoft.com/office/powerpoint/2010/main" val="1957048956"/>
+        <p14:creationId xmlns:p14="http://schemas.microsoft.com/office/powerpoint/2010/main" val="2017559449"/>
       </p:ext>
     </p:extLst>
   </p:cSld>
@@ -19542,12 +19500,15 @@
           <a:lstStyle/>
           <a:p>
             <a:r>
-              <a:rPr lang="en-US" b="1" dirty="0">
-                <a:solidFill>
-                  <a:schemeClr val="bg1"/>
-                </a:solidFill>
-              </a:rPr>
-              <a:t>Storage Volume</a:t>
+              <a:rPr lang="en-US" b="1" dirty="0" err="1">
+                <a:solidFill>
+                  <a:schemeClr val="bg1"/>
+                </a:solidFill>
+                <a:latin typeface="+mn-lt"/>
+                <a:ea typeface="+mn-ea"/>
+                <a:cs typeface="+mn-cs"/>
+              </a:rPr>
+              <a:t>CronJobs</a:t>
             </a:r>
             <a:endParaRPr lang="en-IN" b="1" dirty="0">
               <a:solidFill>
@@ -19575,7 +19536,7 @@
         <p:spPr>
           <a:xfrm>
             <a:off x="939453" y="1903956"/>
-            <a:ext cx="11273420" cy="3616311"/>
+            <a:ext cx="11273420" cy="3895595"/>
           </a:xfrm>
           <a:prstGeom prst="rect">
             <a:avLst/>
@@ -19621,121 +19582,100 @@
           </a:p>
         </p:txBody>
       </p:sp>
-      <p:sp>
-        <p:nvSpPr>
-          <p:cNvPr id="3" name="Rectangle 2"/>
-          <p:cNvSpPr/>
+      <p:pic>
+        <p:nvPicPr>
+          <p:cNvPr id="5" name="Picture 4">
+            <a:extLst>
+              <a:ext uri="{FF2B5EF4-FFF2-40B4-BE49-F238E27FC236}">
+                <a16:creationId xmlns:a16="http://schemas.microsoft.com/office/drawing/2014/main" id="{C5022DB1-9039-4D18-8F47-C6BD30D26535}"/>
+              </a:ext>
+            </a:extLst>
+          </p:cNvPr>
+          <p:cNvPicPr>
+            <a:picLocks noChangeAspect="1"/>
+          </p:cNvPicPr>
           <p:nvPr/>
-        </p:nvSpPr>
+        </p:nvPicPr>
+        <p:blipFill>
+          <a:blip r:embed="rId2"/>
+          <a:stretch>
+            <a:fillRect/>
+          </a:stretch>
+        </p:blipFill>
         <p:spPr>
           <a:xfrm>
-            <a:off x="838200" y="2834948"/>
-            <a:ext cx="10058399" cy="2308324"/>
+            <a:off x="1209153" y="2078682"/>
+            <a:ext cx="3810000" cy="533400"/>
           </a:xfrm>
           <a:prstGeom prst="rect">
             <a:avLst/>
           </a:prstGeom>
         </p:spPr>
-        <p:txBody>
-          <a:bodyPr wrap="square">
-            <a:spAutoFit/>
-          </a:bodyPr>
-          <a:lstStyle/>
-          <a:p>
-            <a:r>
-              <a:rPr lang="en-US" b="1" dirty="0">
-                <a:solidFill>
-                  <a:schemeClr val="bg1"/>
-                </a:solidFill>
-              </a:rPr>
-              <a:t>Why Volumes?	</a:t>
-            </a:r>
-          </a:p>
-          <a:p>
-            <a:endParaRPr lang="en-US" b="1" dirty="0">
-              <a:solidFill>
-                <a:schemeClr val="bg1"/>
-              </a:solidFill>
-            </a:endParaRPr>
-          </a:p>
-          <a:p>
-            <a:r>
-              <a:rPr lang="en-US" b="1" dirty="0">
-                <a:solidFill>
-                  <a:schemeClr val="bg1"/>
-                </a:solidFill>
-              </a:rPr>
-              <a:t>	</a:t>
-            </a:r>
-            <a:endParaRPr lang="en-IN" b="1" dirty="0">
-              <a:solidFill>
-                <a:schemeClr val="bg1"/>
-              </a:solidFill>
-            </a:endParaRPr>
-          </a:p>
-          <a:p>
-            <a:r>
-              <a:rPr lang="en-IN" b="1" dirty="0">
-                <a:solidFill>
-                  <a:schemeClr val="bg1"/>
-                </a:solidFill>
-              </a:rPr>
-              <a:t>Way more powerful than </a:t>
-            </a:r>
-            <a:r>
-              <a:rPr lang="en-IN" b="1" dirty="0" err="1">
-                <a:solidFill>
-                  <a:schemeClr val="bg1"/>
-                </a:solidFill>
-              </a:rPr>
-              <a:t>docker</a:t>
-            </a:r>
-            <a:r>
-              <a:rPr lang="en-IN" b="1" dirty="0">
-                <a:solidFill>
-                  <a:schemeClr val="bg1"/>
-                </a:solidFill>
-              </a:rPr>
-              <a:t> volumes</a:t>
-            </a:r>
-          </a:p>
-          <a:p>
-            <a:endParaRPr lang="en-IN" b="1" dirty="0">
-              <a:solidFill>
-                <a:schemeClr val="bg1"/>
-              </a:solidFill>
-            </a:endParaRPr>
-          </a:p>
-          <a:p>
-            <a:endParaRPr lang="en-IN" b="1" dirty="0">
-              <a:solidFill>
-                <a:schemeClr val="bg1"/>
-              </a:solidFill>
-            </a:endParaRPr>
-          </a:p>
-          <a:p>
-            <a:r>
-              <a:rPr lang="en-IN" b="1" dirty="0">
-                <a:solidFill>
-                  <a:schemeClr val="bg1"/>
-                </a:solidFill>
-              </a:rPr>
-              <a:t>Volume Type</a:t>
-            </a:r>
-          </a:p>
-          <a:p>
-            <a:endParaRPr lang="en-IN" b="1" dirty="0">
-              <a:solidFill>
-                <a:schemeClr val="bg1"/>
-              </a:solidFill>
-            </a:endParaRPr>
-          </a:p>
-        </p:txBody>
-      </p:sp>
+      </p:pic>
+      <p:pic>
+        <p:nvPicPr>
+          <p:cNvPr id="7" name="Picture 6">
+            <a:extLst>
+              <a:ext uri="{FF2B5EF4-FFF2-40B4-BE49-F238E27FC236}">
+                <a16:creationId xmlns:a16="http://schemas.microsoft.com/office/drawing/2014/main" id="{654D99B2-50D2-4B61-97E9-9244A6EC7A0C}"/>
+              </a:ext>
+            </a:extLst>
+          </p:cNvPr>
+          <p:cNvPicPr>
+            <a:picLocks noChangeAspect="1"/>
+          </p:cNvPicPr>
+          <p:nvPr/>
+        </p:nvPicPr>
+        <p:blipFill>
+          <a:blip r:embed="rId3"/>
+          <a:stretch>
+            <a:fillRect/>
+          </a:stretch>
+        </p:blipFill>
+        <p:spPr>
+          <a:xfrm>
+            <a:off x="1209153" y="3580290"/>
+            <a:ext cx="4019550" cy="542925"/>
+          </a:xfrm>
+          <a:prstGeom prst="rect">
+            <a:avLst/>
+          </a:prstGeom>
+        </p:spPr>
+      </p:pic>
+      <p:pic>
+        <p:nvPicPr>
+          <p:cNvPr id="8" name="Picture 7">
+            <a:extLst>
+              <a:ext uri="{FF2B5EF4-FFF2-40B4-BE49-F238E27FC236}">
+                <a16:creationId xmlns:a16="http://schemas.microsoft.com/office/drawing/2014/main" id="{B30B5811-2CE6-4905-935B-EEB018AEEF7C}"/>
+              </a:ext>
+            </a:extLst>
+          </p:cNvPr>
+          <p:cNvPicPr>
+            <a:picLocks noChangeAspect="1"/>
+          </p:cNvPicPr>
+          <p:nvPr/>
+        </p:nvPicPr>
+        <p:blipFill>
+          <a:blip r:embed="rId4"/>
+          <a:stretch>
+            <a:fillRect/>
+          </a:stretch>
+        </p:blipFill>
+        <p:spPr>
+          <a:xfrm>
+            <a:off x="1209153" y="4848535"/>
+            <a:ext cx="2790825" cy="485775"/>
+          </a:xfrm>
+          <a:prstGeom prst="rect">
+            <a:avLst/>
+          </a:prstGeom>
+        </p:spPr>
+      </p:pic>
     </p:spTree>
     <p:extLst>
       <p:ext uri="{BB962C8B-B14F-4D97-AF65-F5344CB8AC3E}">
-        <p14:creationId xmlns:p14="http://schemas.microsoft.com/office/powerpoint/2010/main" val="1623393096"/>
+        <p14:creationId xmlns:p14="http://schemas.microsoft.com/office/powerpoint/2010/main" val="1957048956"/>
       </p:ext>
     </p:extLst>
   </p:cSld>
@@ -19795,15 +19735,12 @@
           <a:lstStyle/>
           <a:p>
             <a:r>
-              <a:rPr lang="en-IN" b="1" dirty="0" err="1">
-                <a:solidFill>
-                  <a:schemeClr val="bg1"/>
-                </a:solidFill>
-                <a:latin typeface="+mn-lt"/>
-                <a:ea typeface="+mn-ea"/>
-                <a:cs typeface="+mn-cs"/>
-              </a:rPr>
-              <a:t>emptyDir</a:t>
+              <a:rPr lang="en-US" b="1" dirty="0">
+                <a:solidFill>
+                  <a:schemeClr val="bg1"/>
+                </a:solidFill>
+              </a:rPr>
+              <a:t>Storage Volume</a:t>
             </a:r>
             <a:endParaRPr lang="en-IN" b="1" dirty="0">
               <a:solidFill>
@@ -19904,7 +19841,7 @@
                   <a:schemeClr val="bg1"/>
                 </a:solidFill>
               </a:rPr>
-              <a:t>Creates empty directory	</a:t>
+              <a:t>Why Volumes?	</a:t>
             </a:r>
           </a:p>
           <a:p>
@@ -19915,36 +19852,12 @@
             </a:endParaRPr>
           </a:p>
           <a:p>
-            <a:endParaRPr lang="en-US" b="1" dirty="0">
-              <a:solidFill>
-                <a:schemeClr val="bg1"/>
-              </a:solidFill>
-            </a:endParaRPr>
-          </a:p>
-          <a:p>
             <a:r>
               <a:rPr lang="en-US" b="1" dirty="0">
                 <a:solidFill>
                   <a:schemeClr val="bg1"/>
                 </a:solidFill>
               </a:rPr>
-              <a:t>Removed when Pod dies</a:t>
-            </a:r>
-          </a:p>
-          <a:p>
-            <a:endParaRPr lang="en-US" b="1" dirty="0">
-              <a:solidFill>
-                <a:schemeClr val="bg1"/>
-              </a:solidFill>
-            </a:endParaRPr>
-          </a:p>
-          <a:p>
-            <a:r>
-              <a:rPr lang="en-US" b="1" dirty="0">
-                <a:solidFill>
-                  <a:schemeClr val="bg1"/>
-                </a:solidFill>
-              </a:rPr>
               <a:t>	</a:t>
             </a:r>
             <a:endParaRPr lang="en-IN" b="1" dirty="0">
@@ -19960,7 +19873,47 @@
                   <a:schemeClr val="bg1"/>
                 </a:solidFill>
               </a:rPr>
-              <a:t>Multiple containers can refer</a:t>
+              <a:t>Way more powerful than </a:t>
+            </a:r>
+            <a:r>
+              <a:rPr lang="en-IN" b="1" dirty="0" err="1">
+                <a:solidFill>
+                  <a:schemeClr val="bg1"/>
+                </a:solidFill>
+              </a:rPr>
+              <a:t>docker</a:t>
+            </a:r>
+            <a:r>
+              <a:rPr lang="en-IN" b="1" dirty="0">
+                <a:solidFill>
+                  <a:schemeClr val="bg1"/>
+                </a:solidFill>
+              </a:rPr>
+              <a:t> volumes</a:t>
+            </a:r>
+          </a:p>
+          <a:p>
+            <a:endParaRPr lang="en-IN" b="1" dirty="0">
+              <a:solidFill>
+                <a:schemeClr val="bg1"/>
+              </a:solidFill>
+            </a:endParaRPr>
+          </a:p>
+          <a:p>
+            <a:endParaRPr lang="en-IN" b="1" dirty="0">
+              <a:solidFill>
+                <a:schemeClr val="bg1"/>
+              </a:solidFill>
+            </a:endParaRPr>
+          </a:p>
+          <a:p>
+            <a:r>
+              <a:rPr lang="en-IN" b="1" dirty="0">
+                <a:solidFill>
+                  <a:schemeClr val="bg1"/>
+                </a:solidFill>
+              </a:rPr>
+              <a:t>Volume Type</a:t>
             </a:r>
           </a:p>
           <a:p>
@@ -19975,7 +19928,7 @@
     </p:spTree>
     <p:extLst>
       <p:ext uri="{BB962C8B-B14F-4D97-AF65-F5344CB8AC3E}">
-        <p14:creationId xmlns:p14="http://schemas.microsoft.com/office/powerpoint/2010/main" val="2363511197"/>
+        <p14:creationId xmlns:p14="http://schemas.microsoft.com/office/powerpoint/2010/main" val="1623393096"/>
       </p:ext>
     </p:extLst>
   </p:cSld>
@@ -20043,7 +19996,7 @@
                 <a:ea typeface="+mn-ea"/>
                 <a:cs typeface="+mn-cs"/>
               </a:rPr>
-              <a:t>HostPath</a:t>
+              <a:t>emptyDir</a:t>
             </a:r>
             <a:endParaRPr lang="en-IN" b="1" dirty="0">
               <a:solidFill>
@@ -20125,8 +20078,8 @@
         </p:nvSpPr>
         <p:spPr>
           <a:xfrm>
-            <a:off x="838200" y="2280950"/>
-            <a:ext cx="10058399" cy="2862322"/>
+            <a:off x="838200" y="2834948"/>
+            <a:ext cx="10058399" cy="2308324"/>
           </a:xfrm>
           <a:prstGeom prst="rect">
             <a:avLst/>
@@ -20144,7 +20097,7 @@
                   <a:schemeClr val="bg1"/>
                 </a:solidFill>
               </a:rPr>
-              <a:t>Mounts a file or directory from Host into Pod</a:t>
+              <a:t>Creates empty directory	</a:t>
             </a:r>
           </a:p>
           <a:p>
@@ -20168,6 +20121,23 @@
                   <a:schemeClr val="bg1"/>
                 </a:solidFill>
               </a:rPr>
+              <a:t>Removed when Pod dies</a:t>
+            </a:r>
+          </a:p>
+          <a:p>
+            <a:endParaRPr lang="en-US" b="1" dirty="0">
+              <a:solidFill>
+                <a:schemeClr val="bg1"/>
+              </a:solidFill>
+            </a:endParaRPr>
+          </a:p>
+          <a:p>
+            <a:r>
+              <a:rPr lang="en-US" b="1" dirty="0">
+                <a:solidFill>
+                  <a:schemeClr val="bg1"/>
+                </a:solidFill>
+              </a:rPr>
               <a:t>	</a:t>
             </a:r>
             <a:endParaRPr lang="en-IN" b="1" dirty="0">
@@ -20183,38 +20153,7 @@
                   <a:schemeClr val="bg1"/>
                 </a:solidFill>
               </a:rPr>
-              <a:t>Data remain on the HOST after Pod dies</a:t>
-            </a:r>
-          </a:p>
-          <a:p>
-            <a:endParaRPr lang="en-IN" b="1" dirty="0">
-              <a:solidFill>
-                <a:schemeClr val="bg1"/>
-              </a:solidFill>
-            </a:endParaRPr>
-          </a:p>
-          <a:p>
-            <a:endParaRPr lang="en-IN" b="1" dirty="0">
-              <a:solidFill>
-                <a:schemeClr val="bg1"/>
-              </a:solidFill>
-            </a:endParaRPr>
-          </a:p>
-          <a:p>
-            <a:endParaRPr lang="en-IN" b="1" dirty="0">
-              <a:solidFill>
-                <a:schemeClr val="bg1"/>
-              </a:solidFill>
-            </a:endParaRPr>
-          </a:p>
-          <a:p>
-            <a:r>
-              <a:rPr lang="en-IN" b="1" dirty="0">
-                <a:solidFill>
-                  <a:schemeClr val="bg1"/>
-                </a:solidFill>
-              </a:rPr>
-              <a:t>Use cautiously</a:t>
+              <a:t>Multiple containers can refer</a:t>
             </a:r>
           </a:p>
           <a:p>
@@ -20229,7 +20168,7 @@
     </p:spTree>
     <p:extLst>
       <p:ext uri="{BB962C8B-B14F-4D97-AF65-F5344CB8AC3E}">
-        <p14:creationId xmlns:p14="http://schemas.microsoft.com/office/powerpoint/2010/main" val="1375810122"/>
+        <p14:creationId xmlns:p14="http://schemas.microsoft.com/office/powerpoint/2010/main" val="2363511197"/>
       </p:ext>
     </p:extLst>
   </p:cSld>
@@ -20289,7 +20228,7 @@
           <a:lstStyle/>
           <a:p>
             <a:r>
-              <a:rPr lang="en-IN" b="1" dirty="0">
+              <a:rPr lang="en-IN" b="1" dirty="0" err="1">
                 <a:solidFill>
                   <a:schemeClr val="bg1"/>
                 </a:solidFill>
@@ -20297,8 +20236,16 @@
                 <a:ea typeface="+mn-ea"/>
                 <a:cs typeface="+mn-cs"/>
               </a:rPr>
-              <a:t>Lifecycle of Volume</a:t>
-            </a:r>
+              <a:t>HostPath</a:t>
+            </a:r>
+            <a:endParaRPr lang="en-IN" b="1" dirty="0">
+              <a:solidFill>
+                <a:schemeClr val="bg1"/>
+              </a:solidFill>
+              <a:latin typeface="+mn-lt"/>
+              <a:ea typeface="+mn-ea"/>
+              <a:cs typeface="+mn-cs"/>
+            </a:endParaRPr>
           </a:p>
         </p:txBody>
       </p:sp>
@@ -20363,51 +20310,119 @@
           </a:p>
         </p:txBody>
       </p:sp>
-      <p:pic>
-        <p:nvPicPr>
-          <p:cNvPr id="7170" name="Picture 2" descr="Image result for volume kubernetes photo"/>
-          <p:cNvPicPr>
-            <a:picLocks noChangeAspect="1" noChangeArrowheads="1"/>
-          </p:cNvPicPr>
+      <p:sp>
+        <p:nvSpPr>
+          <p:cNvPr id="3" name="Rectangle 2"/>
+          <p:cNvSpPr/>
           <p:nvPr/>
-        </p:nvPicPr>
-        <p:blipFill>
-          <a:blip r:embed="rId2">
-            <a:extLst>
-              <a:ext uri="{28A0092B-C50C-407E-A947-70E740481C1C}">
-                <a14:useLocalDpi xmlns:a14="http://schemas.microsoft.com/office/drawing/2010/main" val="0"/>
-              </a:ext>
-            </a:extLst>
-          </a:blip>
-          <a:srcRect/>
-          <a:stretch>
-            <a:fillRect/>
-          </a:stretch>
-        </p:blipFill>
-        <p:spPr bwMode="auto">
+        </p:nvSpPr>
+        <p:spPr>
           <a:xfrm>
-            <a:off x="2032000" y="1490132"/>
-            <a:ext cx="7653867" cy="4910667"/>
+            <a:off x="838200" y="2280950"/>
+            <a:ext cx="10058399" cy="2862322"/>
           </a:xfrm>
           <a:prstGeom prst="rect">
             <a:avLst/>
           </a:prstGeom>
-          <a:noFill/>
-          <a:extLst>
-            <a:ext uri="{909E8E84-426E-40DD-AFC4-6F175D3DCCD1}">
-              <a14:hiddenFill xmlns:a14="http://schemas.microsoft.com/office/drawing/2010/main">
-                <a:solidFill>
-                  <a:srgbClr val="FFFFFF"/>
-                </a:solidFill>
-              </a14:hiddenFill>
-            </a:ext>
-          </a:extLst>
         </p:spPr>
-      </p:pic>
+        <p:txBody>
+          <a:bodyPr wrap="square">
+            <a:spAutoFit/>
+          </a:bodyPr>
+          <a:lstStyle/>
+          <a:p>
+            <a:r>
+              <a:rPr lang="en-US" b="1" dirty="0">
+                <a:solidFill>
+                  <a:schemeClr val="bg1"/>
+                </a:solidFill>
+              </a:rPr>
+              <a:t>Mounts a file or directory from Host into Pod</a:t>
+            </a:r>
+          </a:p>
+          <a:p>
+            <a:endParaRPr lang="en-US" b="1" dirty="0">
+              <a:solidFill>
+                <a:schemeClr val="bg1"/>
+              </a:solidFill>
+            </a:endParaRPr>
+          </a:p>
+          <a:p>
+            <a:endParaRPr lang="en-US" b="1" dirty="0">
+              <a:solidFill>
+                <a:schemeClr val="bg1"/>
+              </a:solidFill>
+            </a:endParaRPr>
+          </a:p>
+          <a:p>
+            <a:r>
+              <a:rPr lang="en-US" b="1" dirty="0">
+                <a:solidFill>
+                  <a:schemeClr val="bg1"/>
+                </a:solidFill>
+              </a:rPr>
+              <a:t>	</a:t>
+            </a:r>
+            <a:endParaRPr lang="en-IN" b="1" dirty="0">
+              <a:solidFill>
+                <a:schemeClr val="bg1"/>
+              </a:solidFill>
+            </a:endParaRPr>
+          </a:p>
+          <a:p>
+            <a:r>
+              <a:rPr lang="en-IN" b="1" dirty="0">
+                <a:solidFill>
+                  <a:schemeClr val="bg1"/>
+                </a:solidFill>
+              </a:rPr>
+              <a:t>Data remain on the HOST after Pod dies</a:t>
+            </a:r>
+          </a:p>
+          <a:p>
+            <a:endParaRPr lang="en-IN" b="1" dirty="0">
+              <a:solidFill>
+                <a:schemeClr val="bg1"/>
+              </a:solidFill>
+            </a:endParaRPr>
+          </a:p>
+          <a:p>
+            <a:endParaRPr lang="en-IN" b="1" dirty="0">
+              <a:solidFill>
+                <a:schemeClr val="bg1"/>
+              </a:solidFill>
+            </a:endParaRPr>
+          </a:p>
+          <a:p>
+            <a:endParaRPr lang="en-IN" b="1" dirty="0">
+              <a:solidFill>
+                <a:schemeClr val="bg1"/>
+              </a:solidFill>
+            </a:endParaRPr>
+          </a:p>
+          <a:p>
+            <a:r>
+              <a:rPr lang="en-IN" b="1" dirty="0">
+                <a:solidFill>
+                  <a:schemeClr val="bg1"/>
+                </a:solidFill>
+              </a:rPr>
+              <a:t>Use cautiously</a:t>
+            </a:r>
+          </a:p>
+          <a:p>
+            <a:endParaRPr lang="en-IN" b="1" dirty="0">
+              <a:solidFill>
+                <a:schemeClr val="bg1"/>
+              </a:solidFill>
+            </a:endParaRPr>
+          </a:p>
+        </p:txBody>
+      </p:sp>
     </p:spTree>
     <p:extLst>
       <p:ext uri="{BB962C8B-B14F-4D97-AF65-F5344CB8AC3E}">
-        <p14:creationId xmlns:p14="http://schemas.microsoft.com/office/powerpoint/2010/main" val="2475604831"/>
+        <p14:creationId xmlns:p14="http://schemas.microsoft.com/office/powerpoint/2010/main" val="1375810122"/>
       </p:ext>
     </p:extLst>
   </p:cSld>
@@ -20475,7 +20490,7 @@
                 <a:ea typeface="+mn-ea"/>
                 <a:cs typeface="+mn-cs"/>
               </a:rPr>
-              <a:t>Volumes lifecycle</a:t>
+              <a:t>Lifecycle of Volume</a:t>
             </a:r>
           </a:p>
         </p:txBody>
@@ -20511,14 +20526,11 @@
               <a:buFontTx/>
               <a:buChar char="-"/>
             </a:pPr>
-            <a:r>
-              <a:rPr lang="en-US" sz="2600" b="1" dirty="0">
-                <a:solidFill>
-                  <a:schemeClr val="bg1"/>
-                </a:solidFill>
-              </a:rPr>
-              <a:t>Binding</a:t>
-            </a:r>
+            <a:endParaRPr lang="en-US" sz="2600" b="1" dirty="0">
+              <a:solidFill>
+                <a:schemeClr val="bg1"/>
+              </a:solidFill>
+            </a:endParaRPr>
           </a:p>
           <a:p>
             <a:pPr marL="457200" indent="-457200">
@@ -20536,84 +20548,59 @@
               <a:buFontTx/>
               <a:buChar char="-"/>
             </a:pPr>
-            <a:r>
-              <a:rPr lang="en-US" sz="2600" b="1" dirty="0">
-                <a:solidFill>
-                  <a:schemeClr val="bg1"/>
-                </a:solidFill>
-              </a:rPr>
-              <a:t>Using</a:t>
-            </a:r>
-          </a:p>
-          <a:p>
-            <a:pPr marL="457200" indent="-457200">
-              <a:buFontTx/>
-              <a:buChar char="-"/>
-            </a:pPr>
             <a:endParaRPr lang="en-US" sz="2600" b="1" dirty="0">
               <a:solidFill>
                 <a:schemeClr val="bg1"/>
               </a:solidFill>
             </a:endParaRPr>
           </a:p>
-          <a:p>
-            <a:pPr marL="457200" indent="-457200">
-              <a:buFontTx/>
-              <a:buChar char="-"/>
-            </a:pPr>
-            <a:r>
-              <a:rPr lang="en-US" sz="2600" b="1" dirty="0">
-                <a:solidFill>
-                  <a:schemeClr val="bg1"/>
-                </a:solidFill>
-              </a:rPr>
-              <a:t>Storage Object in Use Protection</a:t>
-            </a:r>
-          </a:p>
-          <a:p>
-            <a:pPr marL="457200" indent="-457200">
-              <a:buFontTx/>
-              <a:buChar char="-"/>
-            </a:pPr>
-            <a:endParaRPr lang="en-US" sz="2600" b="1" dirty="0">
-              <a:solidFill>
-                <a:schemeClr val="bg1"/>
-              </a:solidFill>
-            </a:endParaRPr>
-          </a:p>
-          <a:p>
-            <a:pPr marL="457200" indent="-457200">
-              <a:buFontTx/>
-              <a:buChar char="-"/>
-            </a:pPr>
-            <a:r>
-              <a:rPr lang="en-US" sz="2600" b="1" dirty="0">
-                <a:solidFill>
-                  <a:schemeClr val="bg1"/>
-                </a:solidFill>
-              </a:rPr>
-              <a:t>Reclaim – </a:t>
-            </a:r>
-            <a:r>
-              <a:rPr lang="en-US" sz="2600" b="1">
-                <a:solidFill>
-                  <a:schemeClr val="bg1"/>
-                </a:solidFill>
-              </a:rPr>
-              <a:t>Reclaim Policy</a:t>
-            </a:r>
-            <a:endParaRPr lang="en-US" sz="2600" b="1" dirty="0">
-              <a:solidFill>
-                <a:schemeClr val="bg1"/>
-              </a:solidFill>
-            </a:endParaRPr>
-          </a:p>
-        </p:txBody>
-      </p:sp>
+        </p:txBody>
+      </p:sp>
+      <p:pic>
+        <p:nvPicPr>
+          <p:cNvPr id="7170" name="Picture 2" descr="Image result for volume kubernetes photo"/>
+          <p:cNvPicPr>
+            <a:picLocks noChangeAspect="1" noChangeArrowheads="1"/>
+          </p:cNvPicPr>
+          <p:nvPr/>
+        </p:nvPicPr>
+        <p:blipFill>
+          <a:blip r:embed="rId2">
+            <a:extLst>
+              <a:ext uri="{28A0092B-C50C-407E-A947-70E740481C1C}">
+                <a14:useLocalDpi xmlns:a14="http://schemas.microsoft.com/office/drawing/2010/main" val="0"/>
+              </a:ext>
+            </a:extLst>
+          </a:blip>
+          <a:srcRect/>
+          <a:stretch>
+            <a:fillRect/>
+          </a:stretch>
+        </p:blipFill>
+        <p:spPr bwMode="auto">
+          <a:xfrm>
+            <a:off x="2032000" y="1490132"/>
+            <a:ext cx="7653867" cy="4910667"/>
+          </a:xfrm>
+          <a:prstGeom prst="rect">
+            <a:avLst/>
+          </a:prstGeom>
+          <a:noFill/>
+          <a:extLst>
+            <a:ext uri="{909E8E84-426E-40DD-AFC4-6F175D3DCCD1}">
+              <a14:hiddenFill xmlns:a14="http://schemas.microsoft.com/office/drawing/2010/main">
+                <a:solidFill>
+                  <a:srgbClr val="FFFFFF"/>
+                </a:solidFill>
+              </a14:hiddenFill>
+            </a:ext>
+          </a:extLst>
+        </p:spPr>
+      </p:pic>
     </p:spTree>
     <p:extLst>
       <p:ext uri="{BB962C8B-B14F-4D97-AF65-F5344CB8AC3E}">
-        <p14:creationId xmlns:p14="http://schemas.microsoft.com/office/powerpoint/2010/main" val="4000907354"/>
+        <p14:creationId xmlns:p14="http://schemas.microsoft.com/office/powerpoint/2010/main" val="2475604831"/>
       </p:ext>
     </p:extLst>
   </p:cSld>
@@ -20673,21 +20660,16 @@
           <a:lstStyle/>
           <a:p>
             <a:r>
-              <a:rPr lang="en-US" b="1" dirty="0">
-                <a:solidFill>
-                  <a:schemeClr val="bg1"/>
-                </a:solidFill>
-              </a:rPr>
-              <a:t>Secrets</a:t>
-            </a:r>
-            <a:endParaRPr lang="en-IN" b="1" dirty="0">
-              <a:solidFill>
-                <a:schemeClr val="bg1"/>
-              </a:solidFill>
-              <a:latin typeface="+mn-lt"/>
-              <a:ea typeface="+mn-ea"/>
-              <a:cs typeface="+mn-cs"/>
-            </a:endParaRPr>
+              <a:rPr lang="en-IN" b="1" dirty="0">
+                <a:solidFill>
+                  <a:schemeClr val="bg1"/>
+                </a:solidFill>
+                <a:latin typeface="+mn-lt"/>
+                <a:ea typeface="+mn-ea"/>
+                <a:cs typeface="+mn-cs"/>
+              </a:rPr>
+              <a:t>Volumes lifecycle</a:t>
+            </a:r>
           </a:p>
         </p:txBody>
       </p:sp>
@@ -20706,7 +20688,7 @@
         <p:spPr>
           <a:xfrm>
             <a:off x="939453" y="1903956"/>
-            <a:ext cx="11273420" cy="3895595"/>
+            <a:ext cx="11273420" cy="3616311"/>
           </a:xfrm>
           <a:prstGeom prst="rect">
             <a:avLst/>
@@ -20722,11 +20704,14 @@
               <a:buFontTx/>
               <a:buChar char="-"/>
             </a:pPr>
-            <a:endParaRPr lang="en-US" sz="2600" b="1" dirty="0">
-              <a:solidFill>
-                <a:schemeClr val="bg1"/>
-              </a:solidFill>
-            </a:endParaRPr>
+            <a:r>
+              <a:rPr lang="en-US" sz="2600" b="1" dirty="0">
+                <a:solidFill>
+                  <a:schemeClr val="bg1"/>
+                </a:solidFill>
+              </a:rPr>
+              <a:t>Binding</a:t>
+            </a:r>
           </a:p>
           <a:p>
             <a:pPr marL="457200" indent="-457200">
@@ -20744,88 +20729,73 @@
               <a:buFontTx/>
               <a:buChar char="-"/>
             </a:pPr>
+            <a:r>
+              <a:rPr lang="en-US" sz="2600" b="1" dirty="0">
+                <a:solidFill>
+                  <a:schemeClr val="bg1"/>
+                </a:solidFill>
+              </a:rPr>
+              <a:t>Using</a:t>
+            </a:r>
+          </a:p>
+          <a:p>
+            <a:pPr marL="457200" indent="-457200">
+              <a:buFontTx/>
+              <a:buChar char="-"/>
+            </a:pPr>
             <a:endParaRPr lang="en-US" sz="2600" b="1" dirty="0">
               <a:solidFill>
                 <a:schemeClr val="bg1"/>
               </a:solidFill>
             </a:endParaRPr>
           </a:p>
-        </p:txBody>
-      </p:sp>
-      <p:sp>
-        <p:nvSpPr>
-          <p:cNvPr id="3" name="Rectangle 2"/>
-          <p:cNvSpPr/>
-          <p:nvPr/>
-        </p:nvSpPr>
-        <p:spPr>
-          <a:xfrm>
-            <a:off x="965203" y="2065867"/>
-            <a:ext cx="10058399" cy="369332"/>
-          </a:xfrm>
-          <a:prstGeom prst="rect">
-            <a:avLst/>
-          </a:prstGeom>
-        </p:spPr>
-        <p:txBody>
-          <a:bodyPr wrap="square">
-            <a:spAutoFit/>
-          </a:bodyPr>
-          <a:lstStyle/>
-          <a:p>
-            <a:r>
-              <a:rPr lang="en-US" b="1" dirty="0">
-                <a:solidFill>
-                  <a:schemeClr val="bg1"/>
-                </a:solidFill>
-              </a:rPr>
-              <a:t>Putting sensitive information inside Docker container is not a good idea</a:t>
-            </a:r>
-            <a:endParaRPr lang="en-IN" b="1" dirty="0">
-              <a:solidFill>
-                <a:schemeClr val="bg1"/>
-              </a:solidFill>
-            </a:endParaRPr>
-          </a:p>
-        </p:txBody>
-      </p:sp>
-      <p:sp>
-        <p:nvSpPr>
-          <p:cNvPr id="9" name="TextBox 8">
-            <a:extLst>
-              <a:ext uri="{FF2B5EF4-FFF2-40B4-BE49-F238E27FC236}">
-                <a16:creationId xmlns:a16="http://schemas.microsoft.com/office/drawing/2014/main" id="{28AACB63-D6EB-45F5-853B-70D94B3DA33C}"/>
-              </a:ext>
-            </a:extLst>
-          </p:cNvPr>
-          <p:cNvSpPr txBox="1"/>
-          <p:nvPr/>
-        </p:nvSpPr>
-        <p:spPr>
-          <a:xfrm>
-            <a:off x="939453" y="3183467"/>
-            <a:ext cx="9885123" cy="461665"/>
-          </a:xfrm>
-          <a:prstGeom prst="rect">
-            <a:avLst/>
-          </a:prstGeom>
-          <a:noFill/>
-        </p:spPr>
-        <p:txBody>
-          <a:bodyPr wrap="square" rtlCol="0">
-            <a:spAutoFit/>
-          </a:bodyPr>
-          <a:lstStyle/>
-          <a:p>
-            <a:r>
-              <a:rPr lang="en-US" sz="2400" b="1" dirty="0">
-                <a:solidFill>
-                  <a:schemeClr val="bg1"/>
-                </a:solidFill>
-              </a:rPr>
-              <a:t>Container can be inspected, exported and published publicly</a:t>
-            </a:r>
-            <a:endParaRPr lang="en-IN" sz="2400" b="1" dirty="0">
+          <a:p>
+            <a:pPr marL="457200" indent="-457200">
+              <a:buFontTx/>
+              <a:buChar char="-"/>
+            </a:pPr>
+            <a:r>
+              <a:rPr lang="en-US" sz="2600" b="1" dirty="0">
+                <a:solidFill>
+                  <a:schemeClr val="bg1"/>
+                </a:solidFill>
+              </a:rPr>
+              <a:t>Storage Object in Use Protection</a:t>
+            </a:r>
+          </a:p>
+          <a:p>
+            <a:pPr marL="457200" indent="-457200">
+              <a:buFontTx/>
+              <a:buChar char="-"/>
+            </a:pPr>
+            <a:endParaRPr lang="en-US" sz="2600" b="1" dirty="0">
+              <a:solidFill>
+                <a:schemeClr val="bg1"/>
+              </a:solidFill>
+            </a:endParaRPr>
+          </a:p>
+          <a:p>
+            <a:pPr marL="457200" indent="-457200">
+              <a:buFontTx/>
+              <a:buChar char="-"/>
+            </a:pPr>
+            <a:r>
+              <a:rPr lang="en-US" sz="2600" b="1" dirty="0">
+                <a:solidFill>
+                  <a:schemeClr val="bg1"/>
+                </a:solidFill>
+              </a:rPr>
+              <a:t>Reclaim – </a:t>
+            </a:r>
+            <a:r>
+              <a:rPr lang="en-US" sz="2600" b="1">
+                <a:solidFill>
+                  <a:schemeClr val="bg1"/>
+                </a:solidFill>
+              </a:rPr>
+              <a:t>Reclaim Policy</a:t>
+            </a:r>
+            <a:endParaRPr lang="en-US" sz="2600" b="1" dirty="0">
               <a:solidFill>
                 <a:schemeClr val="bg1"/>
               </a:solidFill>
@@ -20836,7 +20806,7 @@
     </p:spTree>
     <p:extLst>
       <p:ext uri="{BB962C8B-B14F-4D97-AF65-F5344CB8AC3E}">
-        <p14:creationId xmlns:p14="http://schemas.microsoft.com/office/powerpoint/2010/main" val="959007889"/>
+        <p14:creationId xmlns:p14="http://schemas.microsoft.com/office/powerpoint/2010/main" val="4000907354"/>
       </p:ext>
     </p:extLst>
   </p:cSld>
@@ -20901,7 +20871,7 @@
                   <a:schemeClr val="bg1"/>
                 </a:solidFill>
               </a:rPr>
-              <a:t>Kubernetes Networking</a:t>
+              <a:t>Secrets</a:t>
             </a:r>
             <a:endParaRPr lang="en-IN" b="1" dirty="0">
               <a:solidFill>
@@ -20984,16 +20954,11 @@
         <p:spPr>
           <a:xfrm>
             <a:off x="965203" y="2065867"/>
-            <a:ext cx="10058399" cy="2846933"/>
+            <a:ext cx="10058399" cy="369332"/>
           </a:xfrm>
           <a:prstGeom prst="rect">
             <a:avLst/>
           </a:prstGeom>
-          <a:solidFill>
-            <a:schemeClr val="accent3">
-              <a:lumMod val="75000"/>
-            </a:schemeClr>
-          </a:solidFill>
         </p:spPr>
         <p:txBody>
           <a:bodyPr wrap="square">
@@ -21002,91 +20967,58 @@
           <a:lstStyle/>
           <a:p>
             <a:r>
-              <a:rPr lang="en-US" sz="2500" b="1" dirty="0">
-                <a:solidFill>
-                  <a:schemeClr val="bg1"/>
-                </a:solidFill>
-              </a:rPr>
-              <a:t>Container to Container</a:t>
-            </a:r>
-          </a:p>
-          <a:p>
-            <a:r>
               <a:rPr lang="en-US" b="1" dirty="0">
                 <a:solidFill>
                   <a:schemeClr val="bg1"/>
                 </a:solidFill>
               </a:rPr>
-              <a:t>				</a:t>
-            </a:r>
-          </a:p>
-          <a:p>
-            <a:r>
-              <a:rPr lang="en-US" b="1" dirty="0">
-                <a:solidFill>
-                  <a:schemeClr val="bg1"/>
-                </a:solidFill>
-              </a:rPr>
-              <a:t>						</a:t>
-            </a:r>
-            <a:r>
-              <a:rPr lang="en-US" sz="2500" b="1" dirty="0">
-                <a:solidFill>
-                  <a:schemeClr val="bg1"/>
-                </a:solidFill>
-              </a:rPr>
-              <a:t>Pod to Pod</a:t>
-            </a:r>
-          </a:p>
-          <a:p>
-            <a:endParaRPr lang="en-US" b="1" dirty="0">
-              <a:solidFill>
-                <a:schemeClr val="bg1"/>
-              </a:solidFill>
-            </a:endParaRPr>
-          </a:p>
-          <a:p>
-            <a:endParaRPr lang="en-US" b="1" dirty="0">
-              <a:solidFill>
-                <a:schemeClr val="bg1"/>
-              </a:solidFill>
-            </a:endParaRPr>
-          </a:p>
-          <a:p>
-            <a:endParaRPr lang="en-US" sz="2500" b="1" dirty="0">
-              <a:solidFill>
-                <a:schemeClr val="bg1"/>
-              </a:solidFill>
-            </a:endParaRPr>
-          </a:p>
-          <a:p>
-            <a:r>
-              <a:rPr lang="en-US" sz="2500" b="1" dirty="0">
-                <a:solidFill>
-                  <a:schemeClr val="bg1"/>
-                </a:solidFill>
-              </a:rPr>
-              <a:t>Pod to Service</a:t>
-            </a:r>
-          </a:p>
-          <a:p>
-            <a:r>
-              <a:rPr lang="en-US" b="1" dirty="0">
-                <a:solidFill>
-                  <a:schemeClr val="bg1"/>
-                </a:solidFill>
-              </a:rPr>
-              <a:t>						</a:t>
-            </a:r>
-            <a:r>
-              <a:rPr lang="en-US" sz="2500" b="1" dirty="0">
-                <a:solidFill>
-                  <a:schemeClr val="bg1"/>
-                </a:solidFill>
-              </a:rPr>
-              <a:t>External to Service</a:t>
-            </a:r>
-            <a:endParaRPr lang="en-US" b="1" dirty="0">
+              <a:t>Putting sensitive information inside Docker container is not a good idea</a:t>
+            </a:r>
+            <a:endParaRPr lang="en-IN" b="1" dirty="0">
+              <a:solidFill>
+                <a:schemeClr val="bg1"/>
+              </a:solidFill>
+            </a:endParaRPr>
+          </a:p>
+        </p:txBody>
+      </p:sp>
+      <p:sp>
+        <p:nvSpPr>
+          <p:cNvPr id="9" name="TextBox 8">
+            <a:extLst>
+              <a:ext uri="{FF2B5EF4-FFF2-40B4-BE49-F238E27FC236}">
+                <a16:creationId xmlns:a16="http://schemas.microsoft.com/office/drawing/2014/main" id="{28AACB63-D6EB-45F5-853B-70D94B3DA33C}"/>
+              </a:ext>
+            </a:extLst>
+          </p:cNvPr>
+          <p:cNvSpPr txBox="1"/>
+          <p:nvPr/>
+        </p:nvSpPr>
+        <p:spPr>
+          <a:xfrm>
+            <a:off x="939453" y="3183467"/>
+            <a:ext cx="9885123" cy="461665"/>
+          </a:xfrm>
+          <a:prstGeom prst="rect">
+            <a:avLst/>
+          </a:prstGeom>
+          <a:noFill/>
+        </p:spPr>
+        <p:txBody>
+          <a:bodyPr wrap="square" rtlCol="0">
+            <a:spAutoFit/>
+          </a:bodyPr>
+          <a:lstStyle/>
+          <a:p>
+            <a:r>
+              <a:rPr lang="en-US" sz="2400" b="1" dirty="0">
+                <a:solidFill>
+                  <a:schemeClr val="bg1"/>
+                </a:solidFill>
+              </a:rPr>
+              <a:t>Container can be inspected, exported and published publicly</a:t>
+            </a:r>
+            <a:endParaRPr lang="en-IN" sz="2400" b="1" dirty="0">
               <a:solidFill>
                 <a:schemeClr val="bg1"/>
               </a:solidFill>
@@ -21097,7 +21029,7 @@
     </p:spTree>
     <p:extLst>
       <p:ext uri="{BB962C8B-B14F-4D97-AF65-F5344CB8AC3E}">
-        <p14:creationId xmlns:p14="http://schemas.microsoft.com/office/powerpoint/2010/main" val="1376410410"/>
+        <p14:creationId xmlns:p14="http://schemas.microsoft.com/office/powerpoint/2010/main" val="959007889"/>
       </p:ext>
     </p:extLst>
   </p:cSld>
@@ -21157,12 +21089,12 @@
           <a:lstStyle/>
           <a:p>
             <a:r>
-              <a:rPr lang="en-US" b="1" dirty="0">
-                <a:solidFill>
-                  <a:schemeClr val="bg1"/>
-                </a:solidFill>
-              </a:rPr>
-              <a:t>Container to Container Communication</a:t>
+              <a:rPr lang="en-US" b="1">
+                <a:solidFill>
+                  <a:schemeClr val="bg1"/>
+                </a:solidFill>
+              </a:rPr>
+              <a:t>Questions</a:t>
             </a:r>
             <a:endParaRPr lang="en-IN" b="1" dirty="0">
               <a:solidFill>
@@ -21202,6 +21134,13 @@
           </a:bodyPr>
           <a:lstStyle/>
           <a:p>
+            <a:endParaRPr lang="en-US" sz="2600" b="1" dirty="0">
+              <a:solidFill>
+                <a:schemeClr val="bg1"/>
+              </a:solidFill>
+            </a:endParaRPr>
+          </a:p>
+          <a:p>
             <a:pPr marL="457200" indent="-457200">
               <a:buFontTx/>
               <a:buChar char="-"/>
@@ -21223,17 +21162,6 @@
               </a:solidFill>
             </a:endParaRPr>
           </a:p>
-          <a:p>
-            <a:pPr marL="457200" indent="-457200">
-              <a:buFontTx/>
-              <a:buChar char="-"/>
-            </a:pPr>
-            <a:endParaRPr lang="en-US" sz="2600" b="1" dirty="0">
-              <a:solidFill>
-                <a:schemeClr val="bg1"/>
-              </a:solidFill>
-            </a:endParaRPr>
-          </a:p>
         </p:txBody>
       </p:sp>
       <p:sp>
@@ -21245,7 +21173,7 @@
         <p:spPr>
           <a:xfrm>
             <a:off x="965203" y="2065867"/>
-            <a:ext cx="10058399" cy="2308324"/>
+            <a:ext cx="10058399" cy="1323439"/>
           </a:xfrm>
           <a:prstGeom prst="rect">
             <a:avLst/>
@@ -21257,123 +21185,93 @@
           </a:bodyPr>
           <a:lstStyle/>
           <a:p>
-            <a:r>
-              <a:rPr lang="en-US" b="1" dirty="0">
-                <a:solidFill>
-                  <a:schemeClr val="bg1"/>
-                </a:solidFill>
-              </a:rPr>
-              <a:t>-    Highly coupled Pod</a:t>
-            </a:r>
-          </a:p>
-          <a:p>
-            <a:pPr marL="285750" indent="-285750">
-              <a:buFontTx/>
-              <a:buChar char="-"/>
-            </a:pPr>
-            <a:r>
-              <a:rPr lang="en-IN" b="1" dirty="0">
-                <a:solidFill>
-                  <a:schemeClr val="bg1"/>
-                </a:solidFill>
-              </a:rPr>
-              <a:t>Localhost</a:t>
-            </a:r>
-          </a:p>
-          <a:p>
-            <a:pPr marL="285750" indent="-285750">
-              <a:buFontTx/>
-              <a:buChar char="-"/>
-            </a:pPr>
-            <a:r>
-              <a:rPr lang="en-IN" b="1" dirty="0">
-                <a:solidFill>
-                  <a:schemeClr val="bg1"/>
-                </a:solidFill>
-              </a:rPr>
-              <a:t>S</a:t>
-            </a:r>
-          </a:p>
-          <a:p>
-            <a:pPr marL="285750" indent="-285750">
-              <a:buFontTx/>
-              <a:buChar char="-"/>
-            </a:pPr>
-            <a:r>
-              <a:rPr lang="en-IN" b="1" dirty="0">
-                <a:solidFill>
-                  <a:schemeClr val="bg1"/>
-                </a:solidFill>
-              </a:rPr>
-              <a:t>As</a:t>
-            </a:r>
-          </a:p>
-          <a:p>
-            <a:pPr marL="285750" indent="-285750">
-              <a:buFontTx/>
-              <a:buChar char="-"/>
-            </a:pPr>
-            <a:r>
-              <a:rPr lang="en-IN" b="1" dirty="0" err="1">
-                <a:solidFill>
-                  <a:schemeClr val="bg1"/>
-                </a:solidFill>
-              </a:rPr>
-              <a:t>Asd</a:t>
-            </a:r>
-            <a:endParaRPr lang="en-IN" b="1" dirty="0">
-              <a:solidFill>
-                <a:schemeClr val="bg1"/>
-              </a:solidFill>
-            </a:endParaRPr>
-          </a:p>
-          <a:p>
-            <a:pPr marL="285750" indent="-285750">
-              <a:buFontTx/>
-              <a:buChar char="-"/>
-            </a:pPr>
-            <a:r>
-              <a:rPr lang="en-IN" b="1" dirty="0" err="1">
-                <a:solidFill>
-                  <a:schemeClr val="bg1"/>
-                </a:solidFill>
-              </a:rPr>
-              <a:t>Asd</a:t>
-            </a:r>
-            <a:endParaRPr lang="en-IN" b="1" dirty="0">
-              <a:solidFill>
-                <a:schemeClr val="bg1"/>
-              </a:solidFill>
-            </a:endParaRPr>
-          </a:p>
-          <a:p>
-            <a:pPr marL="285750" indent="-285750">
-              <a:buFontTx/>
-              <a:buChar char="-"/>
-            </a:pPr>
-            <a:endParaRPr lang="en-IN" b="1" dirty="0">
-              <a:solidFill>
-                <a:schemeClr val="bg1"/>
-              </a:solidFill>
-            </a:endParaRPr>
-          </a:p>
-          <a:p>
-            <a:pPr marL="285750" indent="-285750">
-              <a:buFontTx/>
-              <a:buChar char="-"/>
-            </a:pPr>
-            <a:endParaRPr lang="en-IN" b="1" dirty="0">
-              <a:solidFill>
-                <a:schemeClr val="bg1"/>
-              </a:solidFill>
-            </a:endParaRPr>
+            <a:pPr algn="ctr"/>
+            <a:r>
+              <a:rPr lang="en-US" sz="8000" b="1" dirty="0">
+                <a:solidFill>
+                  <a:schemeClr val="bg1"/>
+                </a:solidFill>
+              </a:rPr>
+              <a:t>?</a:t>
+            </a:r>
+            <a:endParaRPr lang="en-IN" sz="8000" b="1" dirty="0">
+              <a:solidFill>
+                <a:schemeClr val="bg1"/>
+              </a:solidFill>
+            </a:endParaRPr>
+          </a:p>
+        </p:txBody>
+      </p:sp>
+      <p:sp>
+        <p:nvSpPr>
+          <p:cNvPr id="9" name="TextBox 8">
+            <a:extLst>
+              <a:ext uri="{FF2B5EF4-FFF2-40B4-BE49-F238E27FC236}">
+                <a16:creationId xmlns:a16="http://schemas.microsoft.com/office/drawing/2014/main" id="{28AACB63-D6EB-45F5-853B-70D94B3DA33C}"/>
+              </a:ext>
+            </a:extLst>
+          </p:cNvPr>
+          <p:cNvSpPr txBox="1"/>
+          <p:nvPr/>
+        </p:nvSpPr>
+        <p:spPr>
+          <a:xfrm>
+            <a:off x="939453" y="3183467"/>
+            <a:ext cx="9885123" cy="1569660"/>
+          </a:xfrm>
+          <a:prstGeom prst="rect">
+            <a:avLst/>
+          </a:prstGeom>
+          <a:noFill/>
+        </p:spPr>
+        <p:txBody>
+          <a:bodyPr wrap="square" rtlCol="0">
+            <a:spAutoFit/>
+          </a:bodyPr>
+          <a:lstStyle/>
+          <a:p>
+            <a:endParaRPr lang="en-IN" sz="2400" b="1" dirty="0">
+              <a:solidFill>
+                <a:schemeClr val="bg1"/>
+              </a:solidFill>
+            </a:endParaRPr>
+          </a:p>
+          <a:p>
+            <a:r>
+              <a:rPr lang="en-IN" sz="2400" b="1" dirty="0">
+                <a:solidFill>
+                  <a:schemeClr val="bg1"/>
+                </a:solidFill>
+              </a:rPr>
+              <a:t>Contact: </a:t>
+            </a:r>
+          </a:p>
+          <a:p>
+            <a:r>
+              <a:rPr lang="en-IN" sz="2400" b="1" dirty="0">
+                <a:solidFill>
+                  <a:schemeClr val="bg1"/>
+                </a:solidFill>
+              </a:rPr>
+              <a:t>	9731588933</a:t>
+            </a:r>
+          </a:p>
+          <a:p>
+            <a:r>
+              <a:rPr lang="en-IN" sz="2400" b="1" dirty="0">
+                <a:solidFill>
+                  <a:schemeClr val="bg1"/>
+                </a:solidFill>
+              </a:rPr>
+              <a:t>	vilas_Varghese@yahoo.com</a:t>
+            </a:r>
           </a:p>
         </p:txBody>
       </p:sp>
     </p:spTree>
     <p:extLst>
       <p:ext uri="{BB962C8B-B14F-4D97-AF65-F5344CB8AC3E}">
-        <p14:creationId xmlns:p14="http://schemas.microsoft.com/office/powerpoint/2010/main" val="583697653"/>
+        <p14:creationId xmlns:p14="http://schemas.microsoft.com/office/powerpoint/2010/main" val="1878649138"/>
       </p:ext>
     </p:extLst>
   </p:cSld>
@@ -21652,7 +21550,7 @@
                   <a:schemeClr val="bg1"/>
                 </a:solidFill>
               </a:rPr>
-              <a:t>Pod to Pod Communication</a:t>
+              <a:t>Kubernetes Networking</a:t>
             </a:r>
             <a:endParaRPr lang="en-IN" b="1" dirty="0">
               <a:solidFill>
@@ -21734,12 +21632,17 @@
         </p:nvSpPr>
         <p:spPr>
           <a:xfrm>
-            <a:off x="939453" y="2038159"/>
-            <a:ext cx="10058399" cy="3693319"/>
+            <a:off x="965203" y="2065867"/>
+            <a:ext cx="10058399" cy="2846933"/>
           </a:xfrm>
           <a:prstGeom prst="rect">
             <a:avLst/>
           </a:prstGeom>
+          <a:solidFill>
+            <a:schemeClr val="accent3">
+              <a:lumMod val="75000"/>
+            </a:schemeClr>
+          </a:solidFill>
         </p:spPr>
         <p:txBody>
           <a:bodyPr wrap="square">
@@ -21747,191 +21650,92 @@
           </a:bodyPr>
           <a:lstStyle/>
           <a:p>
-            <a:pPr marL="285750" indent="-285750">
-              <a:buFontTx/>
-              <a:buChar char="-"/>
-            </a:pPr>
+            <a:r>
+              <a:rPr lang="en-US" sz="2500" b="1" dirty="0">
+                <a:solidFill>
+                  <a:schemeClr val="bg1"/>
+                </a:solidFill>
+              </a:rPr>
+              <a:t>Container to Container</a:t>
+            </a:r>
+          </a:p>
+          <a:p>
             <a:r>
               <a:rPr lang="en-US" b="1" dirty="0">
                 <a:solidFill>
                   <a:schemeClr val="bg1"/>
                 </a:solidFill>
               </a:rPr>
-              <a:t>Pod’s have IP address</a:t>
-            </a:r>
-          </a:p>
-          <a:p>
-            <a:pPr marL="285750" indent="-285750">
-              <a:buFontTx/>
-              <a:buChar char="-"/>
-            </a:pPr>
+              <a:t>				</a:t>
+            </a:r>
+          </a:p>
+          <a:p>
             <a:r>
               <a:rPr lang="en-US" b="1" dirty="0">
                 <a:solidFill>
                   <a:schemeClr val="bg1"/>
                 </a:solidFill>
               </a:rPr>
-              <a:t>Containers with in Pod share the network namespace including IP.</a:t>
-            </a:r>
-          </a:p>
-          <a:p>
-            <a:pPr marL="285750" indent="-285750">
-              <a:buFontTx/>
-              <a:buChar char="-"/>
-            </a:pPr>
+              <a:t>						</a:t>
+            </a:r>
+            <a:r>
+              <a:rPr lang="en-US" sz="2500" b="1" dirty="0">
+                <a:solidFill>
+                  <a:schemeClr val="bg1"/>
+                </a:solidFill>
+              </a:rPr>
+              <a:t>Pod to Pod</a:t>
+            </a:r>
+          </a:p>
+          <a:p>
+            <a:endParaRPr lang="en-US" b="1" dirty="0">
+              <a:solidFill>
+                <a:schemeClr val="bg1"/>
+              </a:solidFill>
+            </a:endParaRPr>
+          </a:p>
+          <a:p>
+            <a:endParaRPr lang="en-US" b="1" dirty="0">
+              <a:solidFill>
+                <a:schemeClr val="bg1"/>
+              </a:solidFill>
+            </a:endParaRPr>
+          </a:p>
+          <a:p>
+            <a:endParaRPr lang="en-US" sz="2500" b="1" dirty="0">
+              <a:solidFill>
+                <a:schemeClr val="bg1"/>
+              </a:solidFill>
+            </a:endParaRPr>
+          </a:p>
+          <a:p>
+            <a:r>
+              <a:rPr lang="en-US" sz="2500" b="1" dirty="0">
+                <a:solidFill>
+                  <a:schemeClr val="bg1"/>
+                </a:solidFill>
+              </a:rPr>
+              <a:t>Pod to Service</a:t>
+            </a:r>
+          </a:p>
+          <a:p>
             <a:r>
               <a:rPr lang="en-US" b="1" dirty="0">
                 <a:solidFill>
                   <a:schemeClr val="bg1"/>
                 </a:solidFill>
               </a:rPr>
-              <a:t>Implemented by Network drivers</a:t>
-            </a:r>
-          </a:p>
-          <a:p>
-            <a:pPr marL="285750" indent="-285750">
-              <a:buFontTx/>
-              <a:buChar char="-"/>
-            </a:pPr>
-            <a:r>
-              <a:rPr lang="en-US" b="1" dirty="0">
-                <a:solidFill>
-                  <a:schemeClr val="bg1"/>
-                </a:solidFill>
-              </a:rPr>
-              <a:t>Rules</a:t>
-            </a:r>
-          </a:p>
-          <a:p>
-            <a:pPr marL="742950" lvl="1" indent="-285750">
-              <a:buFontTx/>
-              <a:buChar char="-"/>
-            </a:pPr>
-            <a:r>
-              <a:rPr lang="en-US" dirty="0"/>
-              <a:t>pods can communicate with all pods without NAT</a:t>
-            </a:r>
-            <a:endParaRPr lang="en-IN" b="1" dirty="0">
-              <a:solidFill>
-                <a:schemeClr val="bg1"/>
-              </a:solidFill>
-            </a:endParaRPr>
-          </a:p>
-          <a:p>
-            <a:pPr marL="742950" lvl="1" indent="-285750">
-              <a:buFontTx/>
-              <a:buChar char="-"/>
-            </a:pPr>
-            <a:r>
-              <a:rPr lang="en-US" dirty="0"/>
-              <a:t>agents on a node (e.g. system daemons, </a:t>
-            </a:r>
-            <a:r>
-              <a:rPr lang="en-US" dirty="0" err="1"/>
-              <a:t>kubelet</a:t>
-            </a:r>
-            <a:r>
-              <a:rPr lang="en-US" dirty="0"/>
-              <a:t>) can communicate with all pods</a:t>
-            </a:r>
-          </a:p>
-          <a:p>
-            <a:pPr marL="742950" lvl="1" indent="-285750">
-              <a:buFontTx/>
-              <a:buChar char="-"/>
-            </a:pPr>
-            <a:r>
-              <a:rPr lang="en-US" dirty="0"/>
-              <a:t>For platforms that support Pod running in host network (</a:t>
-            </a:r>
-            <a:r>
-              <a:rPr lang="en-US" dirty="0" err="1"/>
-              <a:t>linux</a:t>
-            </a:r>
-            <a:r>
-              <a:rPr lang="en-US" dirty="0"/>
-              <a:t>)</a:t>
-            </a:r>
-          </a:p>
-          <a:p>
-            <a:pPr marL="1200150" lvl="2" indent="-285750">
-              <a:buFontTx/>
-              <a:buChar char="-"/>
-            </a:pPr>
-            <a:r>
-              <a:rPr lang="en-US" dirty="0"/>
-              <a:t>pods in host network of node can communicate with all pods without NAT</a:t>
-            </a:r>
-            <a:endParaRPr lang="en-IN" b="1" dirty="0">
-              <a:solidFill>
-                <a:schemeClr val="bg1"/>
-              </a:solidFill>
-            </a:endParaRPr>
-          </a:p>
-          <a:p>
-            <a:pPr marL="285750" indent="-285750">
-              <a:buFontTx/>
-              <a:buChar char="-"/>
-            </a:pPr>
-            <a:r>
-              <a:rPr lang="en-IN" b="1" dirty="0">
-                <a:solidFill>
-                  <a:schemeClr val="bg1"/>
-                </a:solidFill>
-              </a:rPr>
-              <a:t>Simple and less friction model</a:t>
-            </a:r>
-          </a:p>
-          <a:p>
-            <a:pPr marL="285750" indent="-285750">
-              <a:buFontTx/>
-              <a:buChar char="-"/>
-            </a:pPr>
-            <a:r>
-              <a:rPr lang="en-IN" b="1" dirty="0">
-                <a:solidFill>
-                  <a:schemeClr val="bg1"/>
-                </a:solidFill>
-              </a:rPr>
-              <a:t>Containers should co-ordinate Port like how it happens on VM’s. IP-per-Pod model.</a:t>
-            </a:r>
-          </a:p>
-          <a:p>
-            <a:pPr marL="285750" indent="-285750">
-              <a:buFontTx/>
-              <a:buChar char="-"/>
-            </a:pPr>
-            <a:r>
-              <a:rPr lang="en-IN" b="1" dirty="0" err="1">
-                <a:solidFill>
-                  <a:schemeClr val="bg1"/>
-                </a:solidFill>
-              </a:rPr>
-              <a:t>Asd</a:t>
-            </a:r>
-            <a:endParaRPr lang="en-IN" b="1" dirty="0">
-              <a:solidFill>
-                <a:schemeClr val="bg1"/>
-              </a:solidFill>
-            </a:endParaRPr>
-          </a:p>
-          <a:p>
-            <a:pPr marL="285750" indent="-285750">
-              <a:buFontTx/>
-              <a:buChar char="-"/>
-            </a:pPr>
-            <a:endParaRPr lang="en-IN" b="1" dirty="0">
-              <a:solidFill>
-                <a:schemeClr val="bg1"/>
-              </a:solidFill>
-            </a:endParaRPr>
-          </a:p>
-          <a:p>
-            <a:pPr marL="285750" indent="-285750">
-              <a:buFontTx/>
-              <a:buChar char="-"/>
-            </a:pPr>
-            <a:endParaRPr lang="en-IN" b="1" dirty="0">
+              <a:t>						</a:t>
+            </a:r>
+            <a:r>
+              <a:rPr lang="en-US" sz="2500" b="1" dirty="0">
+                <a:solidFill>
+                  <a:schemeClr val="bg1"/>
+                </a:solidFill>
+              </a:rPr>
+              <a:t>External to Service</a:t>
+            </a:r>
+            <a:endParaRPr lang="en-US" b="1" dirty="0">
               <a:solidFill>
                 <a:schemeClr val="bg1"/>
               </a:solidFill>
@@ -21942,7 +21746,7 @@
     </p:spTree>
     <p:extLst>
       <p:ext uri="{BB962C8B-B14F-4D97-AF65-F5344CB8AC3E}">
-        <p14:creationId xmlns:p14="http://schemas.microsoft.com/office/powerpoint/2010/main" val="1915203204"/>
+        <p14:creationId xmlns:p14="http://schemas.microsoft.com/office/powerpoint/2010/main" val="1376410410"/>
       </p:ext>
     </p:extLst>
   </p:cSld>
@@ -22007,6 +21811,637 @@
                   <a:schemeClr val="bg1"/>
                 </a:solidFill>
               </a:rPr>
+              <a:t>Container to Container Communication</a:t>
+            </a:r>
+            <a:endParaRPr lang="en-IN" b="1" dirty="0">
+              <a:solidFill>
+                <a:schemeClr val="bg1"/>
+              </a:solidFill>
+              <a:latin typeface="+mn-lt"/>
+              <a:ea typeface="+mn-ea"/>
+              <a:cs typeface="+mn-cs"/>
+            </a:endParaRPr>
+          </a:p>
+        </p:txBody>
+      </p:sp>
+      <p:sp>
+        <p:nvSpPr>
+          <p:cNvPr id="6" name="Rectangle 5">
+            <a:extLst>
+              <a:ext uri="{FF2B5EF4-FFF2-40B4-BE49-F238E27FC236}">
+                <a16:creationId xmlns:a16="http://schemas.microsoft.com/office/drawing/2014/main" id="{1AFE4F34-8260-4EB6-8248-06315F2B803F}"/>
+              </a:ext>
+            </a:extLst>
+          </p:cNvPr>
+          <p:cNvSpPr/>
+          <p:nvPr/>
+        </p:nvSpPr>
+        <p:spPr>
+          <a:xfrm>
+            <a:off x="939453" y="1903956"/>
+            <a:ext cx="11273420" cy="3895595"/>
+          </a:xfrm>
+          <a:prstGeom prst="rect">
+            <a:avLst/>
+          </a:prstGeom>
+        </p:spPr>
+        <p:txBody>
+          <a:bodyPr wrap="square">
+            <a:noAutofit/>
+          </a:bodyPr>
+          <a:lstStyle/>
+          <a:p>
+            <a:pPr marL="457200" indent="-457200">
+              <a:buFontTx/>
+              <a:buChar char="-"/>
+            </a:pPr>
+            <a:endParaRPr lang="en-US" sz="2600" b="1" dirty="0">
+              <a:solidFill>
+                <a:schemeClr val="bg1"/>
+              </a:solidFill>
+            </a:endParaRPr>
+          </a:p>
+          <a:p>
+            <a:pPr marL="457200" indent="-457200">
+              <a:buFontTx/>
+              <a:buChar char="-"/>
+            </a:pPr>
+            <a:endParaRPr lang="en-US" sz="2600" b="1" dirty="0">
+              <a:solidFill>
+                <a:schemeClr val="bg1"/>
+              </a:solidFill>
+            </a:endParaRPr>
+          </a:p>
+          <a:p>
+            <a:pPr marL="457200" indent="-457200">
+              <a:buFontTx/>
+              <a:buChar char="-"/>
+            </a:pPr>
+            <a:endParaRPr lang="en-US" sz="2600" b="1" dirty="0">
+              <a:solidFill>
+                <a:schemeClr val="bg1"/>
+              </a:solidFill>
+            </a:endParaRPr>
+          </a:p>
+        </p:txBody>
+      </p:sp>
+      <p:sp>
+        <p:nvSpPr>
+          <p:cNvPr id="3" name="Rectangle 2"/>
+          <p:cNvSpPr/>
+          <p:nvPr/>
+        </p:nvSpPr>
+        <p:spPr>
+          <a:xfrm>
+            <a:off x="965203" y="2065867"/>
+            <a:ext cx="10058399" cy="2308324"/>
+          </a:xfrm>
+          <a:prstGeom prst="rect">
+            <a:avLst/>
+          </a:prstGeom>
+        </p:spPr>
+        <p:txBody>
+          <a:bodyPr wrap="square">
+            <a:spAutoFit/>
+          </a:bodyPr>
+          <a:lstStyle/>
+          <a:p>
+            <a:r>
+              <a:rPr lang="en-US" b="1" dirty="0">
+                <a:solidFill>
+                  <a:schemeClr val="bg1"/>
+                </a:solidFill>
+              </a:rPr>
+              <a:t>-    Highly coupled Pod</a:t>
+            </a:r>
+          </a:p>
+          <a:p>
+            <a:pPr marL="285750" indent="-285750">
+              <a:buFontTx/>
+              <a:buChar char="-"/>
+            </a:pPr>
+            <a:r>
+              <a:rPr lang="en-IN" b="1" dirty="0">
+                <a:solidFill>
+                  <a:schemeClr val="bg1"/>
+                </a:solidFill>
+              </a:rPr>
+              <a:t>Localhost</a:t>
+            </a:r>
+          </a:p>
+          <a:p>
+            <a:pPr marL="285750" indent="-285750">
+              <a:buFontTx/>
+              <a:buChar char="-"/>
+            </a:pPr>
+            <a:r>
+              <a:rPr lang="en-IN" b="1" dirty="0">
+                <a:solidFill>
+                  <a:schemeClr val="bg1"/>
+                </a:solidFill>
+              </a:rPr>
+              <a:t>S</a:t>
+            </a:r>
+          </a:p>
+          <a:p>
+            <a:pPr marL="285750" indent="-285750">
+              <a:buFontTx/>
+              <a:buChar char="-"/>
+            </a:pPr>
+            <a:r>
+              <a:rPr lang="en-IN" b="1" dirty="0">
+                <a:solidFill>
+                  <a:schemeClr val="bg1"/>
+                </a:solidFill>
+              </a:rPr>
+              <a:t>As</a:t>
+            </a:r>
+          </a:p>
+          <a:p>
+            <a:pPr marL="285750" indent="-285750">
+              <a:buFontTx/>
+              <a:buChar char="-"/>
+            </a:pPr>
+            <a:r>
+              <a:rPr lang="en-IN" b="1" dirty="0" err="1">
+                <a:solidFill>
+                  <a:schemeClr val="bg1"/>
+                </a:solidFill>
+              </a:rPr>
+              <a:t>Asd</a:t>
+            </a:r>
+            <a:endParaRPr lang="en-IN" b="1" dirty="0">
+              <a:solidFill>
+                <a:schemeClr val="bg1"/>
+              </a:solidFill>
+            </a:endParaRPr>
+          </a:p>
+          <a:p>
+            <a:pPr marL="285750" indent="-285750">
+              <a:buFontTx/>
+              <a:buChar char="-"/>
+            </a:pPr>
+            <a:r>
+              <a:rPr lang="en-IN" b="1" dirty="0" err="1">
+                <a:solidFill>
+                  <a:schemeClr val="bg1"/>
+                </a:solidFill>
+              </a:rPr>
+              <a:t>Asd</a:t>
+            </a:r>
+            <a:endParaRPr lang="en-IN" b="1" dirty="0">
+              <a:solidFill>
+                <a:schemeClr val="bg1"/>
+              </a:solidFill>
+            </a:endParaRPr>
+          </a:p>
+          <a:p>
+            <a:pPr marL="285750" indent="-285750">
+              <a:buFontTx/>
+              <a:buChar char="-"/>
+            </a:pPr>
+            <a:endParaRPr lang="en-IN" b="1" dirty="0">
+              <a:solidFill>
+                <a:schemeClr val="bg1"/>
+              </a:solidFill>
+            </a:endParaRPr>
+          </a:p>
+          <a:p>
+            <a:pPr marL="285750" indent="-285750">
+              <a:buFontTx/>
+              <a:buChar char="-"/>
+            </a:pPr>
+            <a:endParaRPr lang="en-IN" b="1" dirty="0">
+              <a:solidFill>
+                <a:schemeClr val="bg1"/>
+              </a:solidFill>
+            </a:endParaRPr>
+          </a:p>
+        </p:txBody>
+      </p:sp>
+    </p:spTree>
+    <p:extLst>
+      <p:ext uri="{BB962C8B-B14F-4D97-AF65-F5344CB8AC3E}">
+        <p14:creationId xmlns:p14="http://schemas.microsoft.com/office/powerpoint/2010/main" val="583697653"/>
+      </p:ext>
+    </p:extLst>
+  </p:cSld>
+  <p:clrMapOvr>
+    <a:masterClrMapping/>
+  </p:clrMapOvr>
+</p:sld>
+</file>
+
+<file path=ppt/slides/slide72.xml><?xml version="1.0" encoding="utf-8"?>
+<p:sld xmlns:a="http://schemas.openxmlformats.org/drawingml/2006/main" xmlns:r="http://schemas.openxmlformats.org/officeDocument/2006/relationships" xmlns:p="http://schemas.openxmlformats.org/presentationml/2006/main">
+  <p:cSld>
+    <p:bg>
+      <p:bgPr>
+        <a:solidFill>
+          <a:schemeClr val="tx2">
+            <a:lumMod val="60000"/>
+            <a:lumOff val="40000"/>
+          </a:schemeClr>
+        </a:solidFill>
+        <a:effectLst/>
+      </p:bgPr>
+    </p:bg>
+    <p:spTree>
+      <p:nvGrpSpPr>
+        <p:cNvPr id="1" name=""/>
+        <p:cNvGrpSpPr/>
+        <p:nvPr/>
+      </p:nvGrpSpPr>
+      <p:grpSpPr>
+        <a:xfrm>
+          <a:off x="0" y="0"/>
+          <a:ext cx="0" cy="0"/>
+          <a:chOff x="0" y="0"/>
+          <a:chExt cx="0" cy="0"/>
+        </a:xfrm>
+      </p:grpSpPr>
+      <p:sp>
+        <p:nvSpPr>
+          <p:cNvPr id="2" name="Title 1">
+            <a:extLst>
+              <a:ext uri="{FF2B5EF4-FFF2-40B4-BE49-F238E27FC236}">
+                <a16:creationId xmlns:a16="http://schemas.microsoft.com/office/drawing/2014/main" id="{C5D36DB0-7732-4EB3-9925-FA6BC1656477}"/>
+              </a:ext>
+            </a:extLst>
+          </p:cNvPr>
+          <p:cNvSpPr>
+            <a:spLocks noGrp="1"/>
+          </p:cNvSpPr>
+          <p:nvPr>
+            <p:ph type="title"/>
+          </p:nvPr>
+        </p:nvSpPr>
+        <p:spPr/>
+        <p:txBody>
+          <a:bodyPr/>
+          <a:lstStyle/>
+          <a:p>
+            <a:r>
+              <a:rPr lang="en-US" b="1" dirty="0">
+                <a:solidFill>
+                  <a:schemeClr val="bg1"/>
+                </a:solidFill>
+              </a:rPr>
+              <a:t>Pod to Pod Communication</a:t>
+            </a:r>
+            <a:endParaRPr lang="en-IN" b="1" dirty="0">
+              <a:solidFill>
+                <a:schemeClr val="bg1"/>
+              </a:solidFill>
+              <a:latin typeface="+mn-lt"/>
+              <a:ea typeface="+mn-ea"/>
+              <a:cs typeface="+mn-cs"/>
+            </a:endParaRPr>
+          </a:p>
+        </p:txBody>
+      </p:sp>
+      <p:sp>
+        <p:nvSpPr>
+          <p:cNvPr id="6" name="Rectangle 5">
+            <a:extLst>
+              <a:ext uri="{FF2B5EF4-FFF2-40B4-BE49-F238E27FC236}">
+                <a16:creationId xmlns:a16="http://schemas.microsoft.com/office/drawing/2014/main" id="{1AFE4F34-8260-4EB6-8248-06315F2B803F}"/>
+              </a:ext>
+            </a:extLst>
+          </p:cNvPr>
+          <p:cNvSpPr/>
+          <p:nvPr/>
+        </p:nvSpPr>
+        <p:spPr>
+          <a:xfrm>
+            <a:off x="939453" y="1903956"/>
+            <a:ext cx="11273420" cy="3895595"/>
+          </a:xfrm>
+          <a:prstGeom prst="rect">
+            <a:avLst/>
+          </a:prstGeom>
+        </p:spPr>
+        <p:txBody>
+          <a:bodyPr wrap="square">
+            <a:noAutofit/>
+          </a:bodyPr>
+          <a:lstStyle/>
+          <a:p>
+            <a:pPr marL="457200" indent="-457200">
+              <a:buFontTx/>
+              <a:buChar char="-"/>
+            </a:pPr>
+            <a:endParaRPr lang="en-US" sz="2600" b="1" dirty="0">
+              <a:solidFill>
+                <a:schemeClr val="bg1"/>
+              </a:solidFill>
+            </a:endParaRPr>
+          </a:p>
+          <a:p>
+            <a:pPr marL="457200" indent="-457200">
+              <a:buFontTx/>
+              <a:buChar char="-"/>
+            </a:pPr>
+            <a:endParaRPr lang="en-US" sz="2600" b="1" dirty="0">
+              <a:solidFill>
+                <a:schemeClr val="bg1"/>
+              </a:solidFill>
+            </a:endParaRPr>
+          </a:p>
+          <a:p>
+            <a:pPr marL="457200" indent="-457200">
+              <a:buFontTx/>
+              <a:buChar char="-"/>
+            </a:pPr>
+            <a:endParaRPr lang="en-US" sz="2600" b="1" dirty="0">
+              <a:solidFill>
+                <a:schemeClr val="bg1"/>
+              </a:solidFill>
+            </a:endParaRPr>
+          </a:p>
+        </p:txBody>
+      </p:sp>
+      <p:sp>
+        <p:nvSpPr>
+          <p:cNvPr id="3" name="Rectangle 2"/>
+          <p:cNvSpPr/>
+          <p:nvPr/>
+        </p:nvSpPr>
+        <p:spPr>
+          <a:xfrm>
+            <a:off x="939453" y="2038159"/>
+            <a:ext cx="10058399" cy="3693319"/>
+          </a:xfrm>
+          <a:prstGeom prst="rect">
+            <a:avLst/>
+          </a:prstGeom>
+        </p:spPr>
+        <p:txBody>
+          <a:bodyPr wrap="square">
+            <a:spAutoFit/>
+          </a:bodyPr>
+          <a:lstStyle/>
+          <a:p>
+            <a:pPr marL="285750" indent="-285750">
+              <a:buFontTx/>
+              <a:buChar char="-"/>
+            </a:pPr>
+            <a:r>
+              <a:rPr lang="en-US" b="1" dirty="0">
+                <a:solidFill>
+                  <a:schemeClr val="bg1"/>
+                </a:solidFill>
+              </a:rPr>
+              <a:t>Pod’s have IP address</a:t>
+            </a:r>
+          </a:p>
+          <a:p>
+            <a:pPr marL="285750" indent="-285750">
+              <a:buFontTx/>
+              <a:buChar char="-"/>
+            </a:pPr>
+            <a:r>
+              <a:rPr lang="en-US" b="1" dirty="0">
+                <a:solidFill>
+                  <a:schemeClr val="bg1"/>
+                </a:solidFill>
+              </a:rPr>
+              <a:t>Containers with in Pod share the network namespace including IP.</a:t>
+            </a:r>
+          </a:p>
+          <a:p>
+            <a:pPr marL="285750" indent="-285750">
+              <a:buFontTx/>
+              <a:buChar char="-"/>
+            </a:pPr>
+            <a:r>
+              <a:rPr lang="en-US" b="1" dirty="0">
+                <a:solidFill>
+                  <a:schemeClr val="bg1"/>
+                </a:solidFill>
+              </a:rPr>
+              <a:t>Implemented by Network drivers</a:t>
+            </a:r>
+          </a:p>
+          <a:p>
+            <a:pPr marL="285750" indent="-285750">
+              <a:buFontTx/>
+              <a:buChar char="-"/>
+            </a:pPr>
+            <a:r>
+              <a:rPr lang="en-US" b="1" dirty="0">
+                <a:solidFill>
+                  <a:schemeClr val="bg1"/>
+                </a:solidFill>
+              </a:rPr>
+              <a:t>Rules</a:t>
+            </a:r>
+          </a:p>
+          <a:p>
+            <a:pPr marL="742950" lvl="1" indent="-285750">
+              <a:buFontTx/>
+              <a:buChar char="-"/>
+            </a:pPr>
+            <a:r>
+              <a:rPr lang="en-US" dirty="0"/>
+              <a:t>pods can communicate with all pods without NAT</a:t>
+            </a:r>
+            <a:endParaRPr lang="en-IN" b="1" dirty="0">
+              <a:solidFill>
+                <a:schemeClr val="bg1"/>
+              </a:solidFill>
+            </a:endParaRPr>
+          </a:p>
+          <a:p>
+            <a:pPr marL="742950" lvl="1" indent="-285750">
+              <a:buFontTx/>
+              <a:buChar char="-"/>
+            </a:pPr>
+            <a:r>
+              <a:rPr lang="en-US" dirty="0"/>
+              <a:t>agents on a node (e.g. system daemons, </a:t>
+            </a:r>
+            <a:r>
+              <a:rPr lang="en-US" dirty="0" err="1"/>
+              <a:t>kubelet</a:t>
+            </a:r>
+            <a:r>
+              <a:rPr lang="en-US" dirty="0"/>
+              <a:t>) can communicate with all pods</a:t>
+            </a:r>
+          </a:p>
+          <a:p>
+            <a:pPr marL="742950" lvl="1" indent="-285750">
+              <a:buFontTx/>
+              <a:buChar char="-"/>
+            </a:pPr>
+            <a:r>
+              <a:rPr lang="en-US" dirty="0"/>
+              <a:t>For platforms that support Pod running in host network (</a:t>
+            </a:r>
+            <a:r>
+              <a:rPr lang="en-US" dirty="0" err="1"/>
+              <a:t>linux</a:t>
+            </a:r>
+            <a:r>
+              <a:rPr lang="en-US" dirty="0"/>
+              <a:t>)</a:t>
+            </a:r>
+          </a:p>
+          <a:p>
+            <a:pPr marL="1200150" lvl="2" indent="-285750">
+              <a:buFontTx/>
+              <a:buChar char="-"/>
+            </a:pPr>
+            <a:r>
+              <a:rPr lang="en-US" dirty="0"/>
+              <a:t>pods in host network of node can communicate with all pods without NAT</a:t>
+            </a:r>
+            <a:endParaRPr lang="en-IN" b="1" dirty="0">
+              <a:solidFill>
+                <a:schemeClr val="bg1"/>
+              </a:solidFill>
+            </a:endParaRPr>
+          </a:p>
+          <a:p>
+            <a:pPr marL="285750" indent="-285750">
+              <a:buFontTx/>
+              <a:buChar char="-"/>
+            </a:pPr>
+            <a:r>
+              <a:rPr lang="en-IN" b="1" dirty="0">
+                <a:solidFill>
+                  <a:schemeClr val="bg1"/>
+                </a:solidFill>
+              </a:rPr>
+              <a:t>Simple and less friction model</a:t>
+            </a:r>
+          </a:p>
+          <a:p>
+            <a:pPr marL="285750" indent="-285750">
+              <a:buFontTx/>
+              <a:buChar char="-"/>
+            </a:pPr>
+            <a:r>
+              <a:rPr lang="en-IN" b="1" dirty="0">
+                <a:solidFill>
+                  <a:schemeClr val="bg1"/>
+                </a:solidFill>
+              </a:rPr>
+              <a:t>Containers should co-ordinate Port like how it happens on VM’s. IP-per-Pod model.</a:t>
+            </a:r>
+          </a:p>
+          <a:p>
+            <a:pPr marL="285750" indent="-285750">
+              <a:buFontTx/>
+              <a:buChar char="-"/>
+            </a:pPr>
+            <a:r>
+              <a:rPr lang="en-IN" b="1" dirty="0" err="1">
+                <a:solidFill>
+                  <a:schemeClr val="bg1"/>
+                </a:solidFill>
+              </a:rPr>
+              <a:t>Asd</a:t>
+            </a:r>
+            <a:endParaRPr lang="en-IN" b="1" dirty="0">
+              <a:solidFill>
+                <a:schemeClr val="bg1"/>
+              </a:solidFill>
+            </a:endParaRPr>
+          </a:p>
+          <a:p>
+            <a:pPr marL="285750" indent="-285750">
+              <a:buFontTx/>
+              <a:buChar char="-"/>
+            </a:pPr>
+            <a:endParaRPr lang="en-IN" b="1" dirty="0">
+              <a:solidFill>
+                <a:schemeClr val="bg1"/>
+              </a:solidFill>
+            </a:endParaRPr>
+          </a:p>
+          <a:p>
+            <a:pPr marL="285750" indent="-285750">
+              <a:buFontTx/>
+              <a:buChar char="-"/>
+            </a:pPr>
+            <a:endParaRPr lang="en-IN" b="1" dirty="0">
+              <a:solidFill>
+                <a:schemeClr val="bg1"/>
+              </a:solidFill>
+            </a:endParaRPr>
+          </a:p>
+        </p:txBody>
+      </p:sp>
+    </p:spTree>
+    <p:extLst>
+      <p:ext uri="{BB962C8B-B14F-4D97-AF65-F5344CB8AC3E}">
+        <p14:creationId xmlns:p14="http://schemas.microsoft.com/office/powerpoint/2010/main" val="1915203204"/>
+      </p:ext>
+    </p:extLst>
+  </p:cSld>
+  <p:clrMapOvr>
+    <a:masterClrMapping/>
+  </p:clrMapOvr>
+</p:sld>
+</file>
+
+<file path=ppt/slides/slide73.xml><?xml version="1.0" encoding="utf-8"?>
+<p:sld xmlns:a="http://schemas.openxmlformats.org/drawingml/2006/main" xmlns:r="http://schemas.openxmlformats.org/officeDocument/2006/relationships" xmlns:p="http://schemas.openxmlformats.org/presentationml/2006/main">
+  <p:cSld>
+    <p:bg>
+      <p:bgPr>
+        <a:solidFill>
+          <a:schemeClr val="tx2">
+            <a:lumMod val="60000"/>
+            <a:lumOff val="40000"/>
+          </a:schemeClr>
+        </a:solidFill>
+        <a:effectLst/>
+      </p:bgPr>
+    </p:bg>
+    <p:spTree>
+      <p:nvGrpSpPr>
+        <p:cNvPr id="1" name=""/>
+        <p:cNvGrpSpPr/>
+        <p:nvPr/>
+      </p:nvGrpSpPr>
+      <p:grpSpPr>
+        <a:xfrm>
+          <a:off x="0" y="0"/>
+          <a:ext cx="0" cy="0"/>
+          <a:chOff x="0" y="0"/>
+          <a:chExt cx="0" cy="0"/>
+        </a:xfrm>
+      </p:grpSpPr>
+      <p:sp>
+        <p:nvSpPr>
+          <p:cNvPr id="2" name="Title 1">
+            <a:extLst>
+              <a:ext uri="{FF2B5EF4-FFF2-40B4-BE49-F238E27FC236}">
+                <a16:creationId xmlns:a16="http://schemas.microsoft.com/office/drawing/2014/main" id="{C5D36DB0-7732-4EB3-9925-FA6BC1656477}"/>
+              </a:ext>
+            </a:extLst>
+          </p:cNvPr>
+          <p:cNvSpPr>
+            <a:spLocks noGrp="1"/>
+          </p:cNvSpPr>
+          <p:nvPr>
+            <p:ph type="title"/>
+          </p:nvPr>
+        </p:nvSpPr>
+        <p:spPr/>
+        <p:txBody>
+          <a:bodyPr/>
+          <a:lstStyle/>
+          <a:p>
+            <a:r>
+              <a:rPr lang="en-US" b="1" dirty="0">
+                <a:solidFill>
+                  <a:schemeClr val="bg1"/>
+                </a:solidFill>
+              </a:rPr>
               <a:t>Pod to Pod Communication</a:t>
             </a:r>
             <a:endParaRPr lang="en-IN" b="1" dirty="0">
@@ -22162,7 +22597,7 @@
 </p:sld>
 </file>
 
-<file path=ppt/slides/slide72.xml><?xml version="1.0" encoding="utf-8"?>
+<file path=ppt/slides/slide74.xml><?xml version="1.0" encoding="utf-8"?>
 <p:sld xmlns:a="http://schemas.openxmlformats.org/drawingml/2006/main" xmlns:r="http://schemas.openxmlformats.org/officeDocument/2006/relationships" xmlns:p="http://schemas.openxmlformats.org/presentationml/2006/main">
   <p:cSld>
     <p:bg>
@@ -22372,7 +22807,7 @@
 </p:sld>
 </file>
 
-<file path=ppt/slides/slide73.xml><?xml version="1.0" encoding="utf-8"?>
+<file path=ppt/slides/slide75.xml><?xml version="1.0" encoding="utf-8"?>
 <p:sld xmlns:a="http://schemas.openxmlformats.org/drawingml/2006/main" xmlns:r="http://schemas.openxmlformats.org/officeDocument/2006/relationships" xmlns:p="http://schemas.openxmlformats.org/presentationml/2006/main">
   <p:cSld>
     <p:bg>
@@ -22582,7 +23017,7 @@
 </p:sld>
 </file>
 
-<file path=ppt/slides/slide74.xml><?xml version="1.0" encoding="utf-8"?>
+<file path=ppt/slides/slide76.xml><?xml version="1.0" encoding="utf-8"?>
 <p:sld xmlns:a="http://schemas.openxmlformats.org/drawingml/2006/main" xmlns:r="http://schemas.openxmlformats.org/officeDocument/2006/relationships" xmlns:p="http://schemas.openxmlformats.org/presentationml/2006/main">
   <p:cSld>
     <p:bg>
@@ -22792,7 +23227,7 @@
 </p:sld>
 </file>
 
-<file path=ppt/slides/slide75.xml><?xml version="1.0" encoding="utf-8"?>
+<file path=ppt/slides/slide77.xml><?xml version="1.0" encoding="utf-8"?>
 <p:sld xmlns:a="http://schemas.openxmlformats.org/drawingml/2006/main" xmlns:r="http://schemas.openxmlformats.org/officeDocument/2006/relationships" xmlns:p="http://schemas.openxmlformats.org/presentationml/2006/main">
   <p:cSld>
     <p:bg>
